--- a/KNN/KNN –.pptx
+++ b/KNN/KNN –.pptx
@@ -22,6 +22,7 @@
     <p:sldId id="271" r:id="rId16"/>
     <p:sldId id="272" r:id="rId17"/>
     <p:sldId id="273" r:id="rId18"/>
+    <p:sldId id="274" r:id="rId19"/>
   </p:sldIdLst>
   <p:sldSz cx="12192000" cy="6858000"/>
   <p:notesSz cx="6858000" cy="9144000"/>
@@ -120,6 +121,11 @@
       </a:defRPr>
     </a:lvl9pPr>
   </p:defaultTextStyle>
+  <p:extLst>
+    <p:ext uri="{EFAFB233-063F-42B5-8137-9DF3F51BA10A}">
+      <p15:sldGuideLst xmlns:p15="http://schemas.microsoft.com/office/powerpoint/2012/main"/>
+    </p:ext>
+  </p:extLst>
 </p:presentation>
 </file>
 
@@ -3836,7 +3842,6 @@
               <a:rPr lang="de-AT" dirty="0"/>
               <a:t>1810277031</a:t>
             </a:r>
-            <a:endParaRPr lang="de-AT" dirty="0"/>
           </a:p>
         </p:txBody>
       </p:sp>
@@ -3850,6 +3855,13 @@
   <p:clrMapOvr>
     <a:masterClrMapping/>
   </p:clrMapOvr>
+  <p:timing>
+    <p:tnLst>
+      <p:par>
+        <p:cTn id="1" dur="indefinite" restart="never" nodeType="tmRoot"/>
+      </p:par>
+    </p:tnLst>
+  </p:timing>
 </p:sld>
 </file>
 
@@ -4014,6 +4026,13 @@
   <p:clrMapOvr>
     <a:masterClrMapping/>
   </p:clrMapOvr>
+  <p:timing>
+    <p:tnLst>
+      <p:par>
+        <p:cTn id="1" dur="indefinite" restart="never" nodeType="tmRoot"/>
+      </p:par>
+    </p:tnLst>
+  </p:timing>
 </p:sld>
 </file>
 
@@ -4199,6 +4218,13 @@
   <p:clrMapOvr>
     <a:masterClrMapping/>
   </p:clrMapOvr>
+  <p:timing>
+    <p:tnLst>
+      <p:par>
+        <p:cTn id="1" dur="indefinite" restart="never" nodeType="tmRoot"/>
+      </p:par>
+    </p:tnLst>
+  </p:timing>
 </p:sld>
 </file>
 
@@ -4421,6 +4447,13 @@
   <p:clrMapOvr>
     <a:masterClrMapping/>
   </p:clrMapOvr>
+  <p:timing>
+    <p:tnLst>
+      <p:par>
+        <p:cTn id="1" dur="indefinite" restart="never" nodeType="tmRoot"/>
+      </p:par>
+    </p:tnLst>
+  </p:timing>
 </p:sld>
 </file>
 
@@ -4509,6 +4542,13 @@
   <p:clrMapOvr>
     <a:masterClrMapping/>
   </p:clrMapOvr>
+  <p:timing>
+    <p:tnLst>
+      <p:par>
+        <p:cTn id="1" dur="indefinite" restart="never" nodeType="tmRoot"/>
+      </p:par>
+    </p:tnLst>
+  </p:timing>
 </p:sld>
 </file>
 
@@ -4595,6 +4635,13 @@
   <p:clrMapOvr>
     <a:masterClrMapping/>
   </p:clrMapOvr>
+  <p:timing>
+    <p:tnLst>
+      <p:par>
+        <p:cTn id="1" dur="indefinite" restart="never" nodeType="tmRoot"/>
+      </p:par>
+    </p:tnLst>
+  </p:timing>
 </p:sld>
 </file>
 
@@ -4741,6 +4788,13 @@
   <p:clrMapOvr>
     <a:masterClrMapping/>
   </p:clrMapOvr>
+  <p:timing>
+    <p:tnLst>
+      <p:par>
+        <p:cTn id="1" dur="indefinite" restart="never" nodeType="tmRoot"/>
+      </p:par>
+    </p:tnLst>
+  </p:timing>
 </p:sld>
 </file>
 
@@ -4853,6 +4907,13 @@
   <p:clrMapOvr>
     <a:masterClrMapping/>
   </p:clrMapOvr>
+  <p:timing>
+    <p:tnLst>
+      <p:par>
+        <p:cTn id="1" dur="indefinite" restart="never" nodeType="tmRoot"/>
+      </p:par>
+    </p:tnLst>
+  </p:timing>
 </p:sld>
 </file>
 
@@ -4901,6 +4962,67 @@
     <p:extLst>
       <p:ext uri="{BB962C8B-B14F-4D97-AF65-F5344CB8AC3E}">
         <p14:creationId xmlns:p14="http://schemas.microsoft.com/office/powerpoint/2010/main" val="171733630"/>
+      </p:ext>
+    </p:extLst>
+  </p:cSld>
+  <p:clrMapOvr>
+    <a:masterClrMapping/>
+  </p:clrMapOvr>
+  <p:timing>
+    <p:tnLst>
+      <p:par>
+        <p:cTn id="1" dur="indefinite" restart="never" nodeType="tmRoot"/>
+      </p:par>
+    </p:tnLst>
+  </p:timing>
+</p:sld>
+</file>
+
+<file path=ppt/slides/slide18.xml><?xml version="1.0" encoding="utf-8"?>
+<p:sld xmlns:a="http://schemas.openxmlformats.org/drawingml/2006/main" xmlns:r="http://schemas.openxmlformats.org/officeDocument/2006/relationships" xmlns:p="http://schemas.openxmlformats.org/presentationml/2006/main">
+  <p:cSld>
+    <p:spTree>
+      <p:nvGrpSpPr>
+        <p:cNvPr id="1" name=""/>
+        <p:cNvGrpSpPr/>
+        <p:nvPr/>
+      </p:nvGrpSpPr>
+      <p:grpSpPr>
+        <a:xfrm>
+          <a:off x="0" y="0"/>
+          <a:ext cx="0" cy="0"/>
+          <a:chOff x="0" y="0"/>
+          <a:chExt cx="0" cy="0"/>
+        </a:xfrm>
+      </p:grpSpPr>
+      <p:pic>
+        <p:nvPicPr>
+          <p:cNvPr id="4" name="Grafik 3"/>
+          <p:cNvPicPr>
+            <a:picLocks noChangeAspect="1"/>
+          </p:cNvPicPr>
+          <p:nvPr/>
+        </p:nvPicPr>
+        <p:blipFill>
+          <a:blip r:embed="rId2"/>
+          <a:stretch>
+            <a:fillRect/>
+          </a:stretch>
+        </p:blipFill>
+        <p:spPr>
+          <a:xfrm>
+            <a:off x="1981289" y="138023"/>
+            <a:ext cx="7953375" cy="6162675"/>
+          </a:xfrm>
+          <a:prstGeom prst="rect">
+            <a:avLst/>
+          </a:prstGeom>
+        </p:spPr>
+      </p:pic>
+    </p:spTree>
+    <p:extLst>
+      <p:ext uri="{BB962C8B-B14F-4D97-AF65-F5344CB8AC3E}">
+        <p14:creationId xmlns:p14="http://schemas.microsoft.com/office/powerpoint/2010/main" val="285848101"/>
       </p:ext>
     </p:extLst>
   </p:cSld>
@@ -4999,19 +5121,13 @@
             </a:r>
             <a:r>
               <a:rPr lang="de-AT" dirty="0" smtClean="0"/>
-              <a:t> in der Praxis</a:t>
-            </a:r>
-          </a:p>
-          <a:p>
-            <a:pPr>
-              <a:buFont typeface="Arial" panose="020B0604020202020204" pitchFamily="34" charset="0"/>
-              <a:buChar char="•"/>
-            </a:pPr>
-            <a:r>
-              <a:rPr lang="de-AT" dirty="0" smtClean="0"/>
-              <a:t>Zusammenfassung</a:t>
-            </a:r>
-            <a:endParaRPr lang="de-AT" dirty="0"/>
+              <a:t> in der </a:t>
+            </a:r>
+            <a:r>
+              <a:rPr lang="de-AT" dirty="0" smtClean="0"/>
+              <a:t>Praxis</a:t>
+            </a:r>
+            <a:endParaRPr lang="de-AT" dirty="0" smtClean="0"/>
           </a:p>
         </p:txBody>
       </p:sp>
@@ -5025,6 +5141,13 @@
   <p:clrMapOvr>
     <a:masterClrMapping/>
   </p:clrMapOvr>
+  <p:timing>
+    <p:tnLst>
+      <p:par>
+        <p:cTn id="1" dur="indefinite" restart="never" nodeType="tmRoot"/>
+      </p:par>
+    </p:tnLst>
+  </p:timing>
 </p:sld>
 </file>
 
@@ -5194,6 +5317,13 @@
   <p:clrMapOvr>
     <a:masterClrMapping/>
   </p:clrMapOvr>
+  <p:timing>
+    <p:tnLst>
+      <p:par>
+        <p:cTn id="1" dur="indefinite" restart="never" nodeType="tmRoot"/>
+      </p:par>
+    </p:tnLst>
+  </p:timing>
 </p:sld>
 </file>
 
@@ -5332,6 +5462,13 @@
   <p:clrMapOvr>
     <a:masterClrMapping/>
   </p:clrMapOvr>
+  <p:timing>
+    <p:tnLst>
+      <p:par>
+        <p:cTn id="1" dur="indefinite" restart="never" nodeType="tmRoot"/>
+      </p:par>
+    </p:tnLst>
+  </p:timing>
 </p:sld>
 </file>
 
@@ -5485,6 +5622,13 @@
   <p:clrMapOvr>
     <a:masterClrMapping/>
   </p:clrMapOvr>
+  <p:timing>
+    <p:tnLst>
+      <p:par>
+        <p:cTn id="1" dur="indefinite" restart="never" nodeType="tmRoot"/>
+      </p:par>
+    </p:tnLst>
+  </p:timing>
 </p:sld>
 </file>
 
@@ -5614,6 +5758,13 @@
   <p:clrMapOvr>
     <a:masterClrMapping/>
   </p:clrMapOvr>
+  <p:timing>
+    <p:tnLst>
+      <p:par>
+        <p:cTn id="1" dur="indefinite" restart="never" nodeType="tmRoot"/>
+      </p:par>
+    </p:tnLst>
+  </p:timing>
 </p:sld>
 </file>
 
@@ -5701,6 +5852,13 @@
   <p:clrMapOvr>
     <a:masterClrMapping/>
   </p:clrMapOvr>
+  <p:timing>
+    <p:tnLst>
+      <p:par>
+        <p:cTn id="1" dur="indefinite" restart="never" nodeType="tmRoot"/>
+      </p:par>
+    </p:tnLst>
+  </p:timing>
 </p:sld>
 </file>
 
@@ -5788,6 +5946,13 @@
   <p:clrMapOvr>
     <a:masterClrMapping/>
   </p:clrMapOvr>
+  <p:timing>
+    <p:tnLst>
+      <p:par>
+        <p:cTn id="1" dur="indefinite" restart="never" nodeType="tmRoot"/>
+      </p:par>
+    </p:tnLst>
+  </p:timing>
 </p:sld>
 </file>
 
@@ -5928,6 +6093,13 @@
   <p:clrMapOvr>
     <a:masterClrMapping/>
   </p:clrMapOvr>
+  <p:timing>
+    <p:tnLst>
+      <p:par>
+        <p:cTn id="1" dur="indefinite" restart="never" nodeType="tmRoot"/>
+      </p:par>
+    </p:tnLst>
+  </p:timing>
 </p:sld>
 </file>
 

--- a/KNN/KNN –.pptx
+++ b/KNN/KNN –.pptx
@@ -4,6 +4,9 @@
   <p:sldMasterIdLst>
     <p:sldMasterId id="2147483648" r:id="rId1"/>
   </p:sldMasterIdLst>
+  <p:notesMasterIdLst>
+    <p:notesMasterId r:id="rId20"/>
+  </p:notesMasterIdLst>
   <p:sldIdLst>
     <p:sldId id="256" r:id="rId2"/>
     <p:sldId id="257" r:id="rId3"/>
@@ -18,11 +21,11 @@
     <p:sldId id="267" r:id="rId12"/>
     <p:sldId id="268" r:id="rId13"/>
     <p:sldId id="269" r:id="rId14"/>
-    <p:sldId id="270" r:id="rId15"/>
-    <p:sldId id="271" r:id="rId16"/>
-    <p:sldId id="272" r:id="rId17"/>
-    <p:sldId id="273" r:id="rId18"/>
-    <p:sldId id="274" r:id="rId19"/>
+    <p:sldId id="274" r:id="rId15"/>
+    <p:sldId id="270" r:id="rId16"/>
+    <p:sldId id="271" r:id="rId17"/>
+    <p:sldId id="272" r:id="rId18"/>
+    <p:sldId id="273" r:id="rId19"/>
   </p:sldIdLst>
   <p:sldSz cx="12192000" cy="6858000"/>
   <p:notesSz cx="6858000" cy="9144000"/>
@@ -139,6 +142,2390 @@
     </p:extLst>
   </p:cmAuthor>
 </p:cmAuthorLst>
+</file>
+
+<file path=ppt/notesMasters/notesMaster1.xml><?xml version="1.0" encoding="utf-8"?>
+<p:notesMaster xmlns:a="http://schemas.openxmlformats.org/drawingml/2006/main" xmlns:r="http://schemas.openxmlformats.org/officeDocument/2006/relationships" xmlns:p="http://schemas.openxmlformats.org/presentationml/2006/main">
+  <p:cSld>
+    <p:bg>
+      <p:bgRef idx="1001">
+        <a:schemeClr val="bg1"/>
+      </p:bgRef>
+    </p:bg>
+    <p:spTree>
+      <p:nvGrpSpPr>
+        <p:cNvPr id="1" name=""/>
+        <p:cNvGrpSpPr/>
+        <p:nvPr/>
+      </p:nvGrpSpPr>
+      <p:grpSpPr>
+        <a:xfrm>
+          <a:off x="0" y="0"/>
+          <a:ext cx="0" cy="0"/>
+          <a:chOff x="0" y="0"/>
+          <a:chExt cx="0" cy="0"/>
+        </a:xfrm>
+      </p:grpSpPr>
+      <p:sp>
+        <p:nvSpPr>
+          <p:cNvPr id="2" name="Kopfzeilenplatzhalter 1"/>
+          <p:cNvSpPr>
+            <a:spLocks noGrp="1"/>
+          </p:cNvSpPr>
+          <p:nvPr>
+            <p:ph type="hdr" sz="quarter"/>
+          </p:nvPr>
+        </p:nvSpPr>
+        <p:spPr>
+          <a:xfrm>
+            <a:off x="0" y="0"/>
+            <a:ext cx="2971800" cy="458788"/>
+          </a:xfrm>
+          <a:prstGeom prst="rect">
+            <a:avLst/>
+          </a:prstGeom>
+        </p:spPr>
+        <p:txBody>
+          <a:bodyPr vert="horz" lIns="91440" tIns="45720" rIns="91440" bIns="45720" rtlCol="0"/>
+          <a:lstStyle>
+            <a:lvl1pPr algn="l">
+              <a:defRPr sz="1200"/>
+            </a:lvl1pPr>
+          </a:lstStyle>
+          <a:p>
+            <a:endParaRPr lang="de-AT"/>
+          </a:p>
+        </p:txBody>
+      </p:sp>
+      <p:sp>
+        <p:nvSpPr>
+          <p:cNvPr id="3" name="Datumsplatzhalter 2"/>
+          <p:cNvSpPr>
+            <a:spLocks noGrp="1"/>
+          </p:cNvSpPr>
+          <p:nvPr>
+            <p:ph type="dt" idx="1"/>
+          </p:nvPr>
+        </p:nvSpPr>
+        <p:spPr>
+          <a:xfrm>
+            <a:off x="3884613" y="0"/>
+            <a:ext cx="2971800" cy="458788"/>
+          </a:xfrm>
+          <a:prstGeom prst="rect">
+            <a:avLst/>
+          </a:prstGeom>
+        </p:spPr>
+        <p:txBody>
+          <a:bodyPr vert="horz" lIns="91440" tIns="45720" rIns="91440" bIns="45720" rtlCol="0"/>
+          <a:lstStyle>
+            <a:lvl1pPr algn="r">
+              <a:defRPr sz="1200"/>
+            </a:lvl1pPr>
+          </a:lstStyle>
+          <a:p>
+            <a:fld id="{EE096A9D-1BAE-4DE1-99E7-06106351FFB2}" type="datetimeFigureOut">
+              <a:rPr lang="de-AT" smtClean="0"/>
+              <a:t>23.01.2019</a:t>
+            </a:fld>
+            <a:endParaRPr lang="de-AT"/>
+          </a:p>
+        </p:txBody>
+      </p:sp>
+      <p:sp>
+        <p:nvSpPr>
+          <p:cNvPr id="4" name="Folienbildplatzhalter 3"/>
+          <p:cNvSpPr>
+            <a:spLocks noGrp="1" noRot="1" noChangeAspect="1"/>
+          </p:cNvSpPr>
+          <p:nvPr>
+            <p:ph type="sldImg" idx="2"/>
+          </p:nvPr>
+        </p:nvSpPr>
+        <p:spPr>
+          <a:xfrm>
+            <a:off x="685800" y="1143000"/>
+            <a:ext cx="5486400" cy="3086100"/>
+          </a:xfrm>
+          <a:prstGeom prst="rect">
+            <a:avLst/>
+          </a:prstGeom>
+          <a:noFill/>
+          <a:ln w="12700">
+            <a:solidFill>
+              <a:prstClr val="black"/>
+            </a:solidFill>
+          </a:ln>
+        </p:spPr>
+        <p:txBody>
+          <a:bodyPr vert="horz" lIns="91440" tIns="45720" rIns="91440" bIns="45720" rtlCol="0" anchor="ctr"/>
+          <a:lstStyle/>
+          <a:p>
+            <a:endParaRPr lang="de-AT"/>
+          </a:p>
+        </p:txBody>
+      </p:sp>
+      <p:sp>
+        <p:nvSpPr>
+          <p:cNvPr id="5" name="Notizenplatzhalter 4"/>
+          <p:cNvSpPr>
+            <a:spLocks noGrp="1"/>
+          </p:cNvSpPr>
+          <p:nvPr>
+            <p:ph type="body" sz="quarter" idx="3"/>
+          </p:nvPr>
+        </p:nvSpPr>
+        <p:spPr>
+          <a:xfrm>
+            <a:off x="685800" y="4400550"/>
+            <a:ext cx="5486400" cy="3600450"/>
+          </a:xfrm>
+          <a:prstGeom prst="rect">
+            <a:avLst/>
+          </a:prstGeom>
+        </p:spPr>
+        <p:txBody>
+          <a:bodyPr vert="horz" lIns="91440" tIns="45720" rIns="91440" bIns="45720" rtlCol="0"/>
+          <a:lstStyle/>
+          <a:p>
+            <a:pPr lvl="0"/>
+            <a:r>
+              <a:rPr lang="de-DE" smtClean="0"/>
+              <a:t>Textmasterformat bearbeiten</a:t>
+            </a:r>
+          </a:p>
+          <a:p>
+            <a:pPr lvl="1"/>
+            <a:r>
+              <a:rPr lang="de-DE" smtClean="0"/>
+              <a:t>Zweite Ebene</a:t>
+            </a:r>
+          </a:p>
+          <a:p>
+            <a:pPr lvl="2"/>
+            <a:r>
+              <a:rPr lang="de-DE" smtClean="0"/>
+              <a:t>Dritte Ebene</a:t>
+            </a:r>
+          </a:p>
+          <a:p>
+            <a:pPr lvl="3"/>
+            <a:r>
+              <a:rPr lang="de-DE" smtClean="0"/>
+              <a:t>Vierte Ebene</a:t>
+            </a:r>
+          </a:p>
+          <a:p>
+            <a:pPr lvl="4"/>
+            <a:r>
+              <a:rPr lang="de-DE" smtClean="0"/>
+              <a:t>Fünfte Ebene</a:t>
+            </a:r>
+            <a:endParaRPr lang="de-AT"/>
+          </a:p>
+        </p:txBody>
+      </p:sp>
+      <p:sp>
+        <p:nvSpPr>
+          <p:cNvPr id="6" name="Fußzeilenplatzhalter 5"/>
+          <p:cNvSpPr>
+            <a:spLocks noGrp="1"/>
+          </p:cNvSpPr>
+          <p:nvPr>
+            <p:ph type="ftr" sz="quarter" idx="4"/>
+          </p:nvPr>
+        </p:nvSpPr>
+        <p:spPr>
+          <a:xfrm>
+            <a:off x="0" y="8685213"/>
+            <a:ext cx="2971800" cy="458787"/>
+          </a:xfrm>
+          <a:prstGeom prst="rect">
+            <a:avLst/>
+          </a:prstGeom>
+        </p:spPr>
+        <p:txBody>
+          <a:bodyPr vert="horz" lIns="91440" tIns="45720" rIns="91440" bIns="45720" rtlCol="0" anchor="b"/>
+          <a:lstStyle>
+            <a:lvl1pPr algn="l">
+              <a:defRPr sz="1200"/>
+            </a:lvl1pPr>
+          </a:lstStyle>
+          <a:p>
+            <a:endParaRPr lang="de-AT"/>
+          </a:p>
+        </p:txBody>
+      </p:sp>
+      <p:sp>
+        <p:nvSpPr>
+          <p:cNvPr id="7" name="Foliennummernplatzhalter 6"/>
+          <p:cNvSpPr>
+            <a:spLocks noGrp="1"/>
+          </p:cNvSpPr>
+          <p:nvPr>
+            <p:ph type="sldNum" sz="quarter" idx="5"/>
+          </p:nvPr>
+        </p:nvSpPr>
+        <p:spPr>
+          <a:xfrm>
+            <a:off x="3884613" y="8685213"/>
+            <a:ext cx="2971800" cy="458787"/>
+          </a:xfrm>
+          <a:prstGeom prst="rect">
+            <a:avLst/>
+          </a:prstGeom>
+        </p:spPr>
+        <p:txBody>
+          <a:bodyPr vert="horz" lIns="91440" tIns="45720" rIns="91440" bIns="45720" rtlCol="0" anchor="b"/>
+          <a:lstStyle>
+            <a:lvl1pPr algn="r">
+              <a:defRPr sz="1200"/>
+            </a:lvl1pPr>
+          </a:lstStyle>
+          <a:p>
+            <a:fld id="{9F819866-7D04-4679-A9CF-4CECA34B22E0}" type="slidenum">
+              <a:rPr lang="de-AT" smtClean="0"/>
+              <a:t>‹Nr.›</a:t>
+            </a:fld>
+            <a:endParaRPr lang="de-AT"/>
+          </a:p>
+        </p:txBody>
+      </p:sp>
+    </p:spTree>
+    <p:extLst>
+      <p:ext uri="{BB962C8B-B14F-4D97-AF65-F5344CB8AC3E}">
+        <p14:creationId xmlns:p14="http://schemas.microsoft.com/office/powerpoint/2010/main" val="2184662806"/>
+      </p:ext>
+    </p:extLst>
+  </p:cSld>
+  <p:clrMap bg1="lt1" tx1="dk1" bg2="lt2" tx2="dk2" accent1="accent1" accent2="accent2" accent3="accent3" accent4="accent4" accent5="accent5" accent6="accent6" hlink="hlink" folHlink="folHlink"/>
+  <p:notesStyle>
+    <a:lvl1pPr marL="0" algn="l" defTabSz="914400" rtl="0" eaLnBrk="1" latinLnBrk="0" hangingPunct="1">
+      <a:defRPr sz="1200" kern="1200">
+        <a:solidFill>
+          <a:schemeClr val="tx1"/>
+        </a:solidFill>
+        <a:latin typeface="+mn-lt"/>
+        <a:ea typeface="+mn-ea"/>
+        <a:cs typeface="+mn-cs"/>
+      </a:defRPr>
+    </a:lvl1pPr>
+    <a:lvl2pPr marL="457200" algn="l" defTabSz="914400" rtl="0" eaLnBrk="1" latinLnBrk="0" hangingPunct="1">
+      <a:defRPr sz="1200" kern="1200">
+        <a:solidFill>
+          <a:schemeClr val="tx1"/>
+        </a:solidFill>
+        <a:latin typeface="+mn-lt"/>
+        <a:ea typeface="+mn-ea"/>
+        <a:cs typeface="+mn-cs"/>
+      </a:defRPr>
+    </a:lvl2pPr>
+    <a:lvl3pPr marL="914400" algn="l" defTabSz="914400" rtl="0" eaLnBrk="1" latinLnBrk="0" hangingPunct="1">
+      <a:defRPr sz="1200" kern="1200">
+        <a:solidFill>
+          <a:schemeClr val="tx1"/>
+        </a:solidFill>
+        <a:latin typeface="+mn-lt"/>
+        <a:ea typeface="+mn-ea"/>
+        <a:cs typeface="+mn-cs"/>
+      </a:defRPr>
+    </a:lvl3pPr>
+    <a:lvl4pPr marL="1371600" algn="l" defTabSz="914400" rtl="0" eaLnBrk="1" latinLnBrk="0" hangingPunct="1">
+      <a:defRPr sz="1200" kern="1200">
+        <a:solidFill>
+          <a:schemeClr val="tx1"/>
+        </a:solidFill>
+        <a:latin typeface="+mn-lt"/>
+        <a:ea typeface="+mn-ea"/>
+        <a:cs typeface="+mn-cs"/>
+      </a:defRPr>
+    </a:lvl4pPr>
+    <a:lvl5pPr marL="1828800" algn="l" defTabSz="914400" rtl="0" eaLnBrk="1" latinLnBrk="0" hangingPunct="1">
+      <a:defRPr sz="1200" kern="1200">
+        <a:solidFill>
+          <a:schemeClr val="tx1"/>
+        </a:solidFill>
+        <a:latin typeface="+mn-lt"/>
+        <a:ea typeface="+mn-ea"/>
+        <a:cs typeface="+mn-cs"/>
+      </a:defRPr>
+    </a:lvl5pPr>
+    <a:lvl6pPr marL="2286000" algn="l" defTabSz="914400" rtl="0" eaLnBrk="1" latinLnBrk="0" hangingPunct="1">
+      <a:defRPr sz="1200" kern="1200">
+        <a:solidFill>
+          <a:schemeClr val="tx1"/>
+        </a:solidFill>
+        <a:latin typeface="+mn-lt"/>
+        <a:ea typeface="+mn-ea"/>
+        <a:cs typeface="+mn-cs"/>
+      </a:defRPr>
+    </a:lvl6pPr>
+    <a:lvl7pPr marL="2743200" algn="l" defTabSz="914400" rtl="0" eaLnBrk="1" latinLnBrk="0" hangingPunct="1">
+      <a:defRPr sz="1200" kern="1200">
+        <a:solidFill>
+          <a:schemeClr val="tx1"/>
+        </a:solidFill>
+        <a:latin typeface="+mn-lt"/>
+        <a:ea typeface="+mn-ea"/>
+        <a:cs typeface="+mn-cs"/>
+      </a:defRPr>
+    </a:lvl7pPr>
+    <a:lvl8pPr marL="3200400" algn="l" defTabSz="914400" rtl="0" eaLnBrk="1" latinLnBrk="0" hangingPunct="1">
+      <a:defRPr sz="1200" kern="1200">
+        <a:solidFill>
+          <a:schemeClr val="tx1"/>
+        </a:solidFill>
+        <a:latin typeface="+mn-lt"/>
+        <a:ea typeface="+mn-ea"/>
+        <a:cs typeface="+mn-cs"/>
+      </a:defRPr>
+    </a:lvl8pPr>
+    <a:lvl9pPr marL="3657600" algn="l" defTabSz="914400" rtl="0" eaLnBrk="1" latinLnBrk="0" hangingPunct="1">
+      <a:defRPr sz="1200" kern="1200">
+        <a:solidFill>
+          <a:schemeClr val="tx1"/>
+        </a:solidFill>
+        <a:latin typeface="+mn-lt"/>
+        <a:ea typeface="+mn-ea"/>
+        <a:cs typeface="+mn-cs"/>
+      </a:defRPr>
+    </a:lvl9pPr>
+  </p:notesStyle>
+</p:notesMaster>
+</file>
+
+<file path=ppt/notesSlides/notesSlide1.xml><?xml version="1.0" encoding="utf-8"?>
+<p:notes xmlns:a="http://schemas.openxmlformats.org/drawingml/2006/main" xmlns:r="http://schemas.openxmlformats.org/officeDocument/2006/relationships" xmlns:p="http://schemas.openxmlformats.org/presentationml/2006/main">
+  <p:cSld>
+    <p:spTree>
+      <p:nvGrpSpPr>
+        <p:cNvPr id="1" name=""/>
+        <p:cNvGrpSpPr/>
+        <p:nvPr/>
+      </p:nvGrpSpPr>
+      <p:grpSpPr>
+        <a:xfrm>
+          <a:off x="0" y="0"/>
+          <a:ext cx="0" cy="0"/>
+          <a:chOff x="0" y="0"/>
+          <a:chExt cx="0" cy="0"/>
+        </a:xfrm>
+      </p:grpSpPr>
+      <p:sp>
+        <p:nvSpPr>
+          <p:cNvPr id="2" name="Folienbildplatzhalter 1"/>
+          <p:cNvSpPr>
+            <a:spLocks noGrp="1" noRot="1" noChangeAspect="1"/>
+          </p:cNvSpPr>
+          <p:nvPr>
+            <p:ph type="sldImg"/>
+          </p:nvPr>
+        </p:nvSpPr>
+        <p:spPr/>
+      </p:sp>
+      <p:sp>
+        <p:nvSpPr>
+          <p:cNvPr id="3" name="Notizenplatzhalter 2"/>
+          <p:cNvSpPr>
+            <a:spLocks noGrp="1"/>
+          </p:cNvSpPr>
+          <p:nvPr>
+            <p:ph type="body" idx="1"/>
+          </p:nvPr>
+        </p:nvSpPr>
+        <p:spPr/>
+        <p:txBody>
+          <a:bodyPr/>
+          <a:lstStyle/>
+          <a:p>
+            <a:r>
+              <a:rPr lang="de-AT" sz="1200" b="1" i="0" kern="1200" dirty="0" smtClean="0">
+                <a:solidFill>
+                  <a:schemeClr val="tx1"/>
+                </a:solidFill>
+                <a:effectLst/>
+                <a:latin typeface="+mn-lt"/>
+                <a:ea typeface="+mn-ea"/>
+                <a:cs typeface="+mn-cs"/>
+              </a:rPr>
+              <a:t>Allgemeines</a:t>
+            </a:r>
+          </a:p>
+          <a:p>
+            <a:r>
+              <a:rPr lang="de-AT" sz="1200" b="0" i="0" kern="1200" dirty="0" err="1" smtClean="0">
+                <a:solidFill>
+                  <a:schemeClr val="tx1"/>
+                </a:solidFill>
+                <a:effectLst/>
+                <a:latin typeface="+mn-lt"/>
+                <a:ea typeface="+mn-ea"/>
+                <a:cs typeface="+mn-cs"/>
+              </a:rPr>
+              <a:t>KNN</a:t>
+            </a:r>
+            <a:r>
+              <a:rPr lang="de-AT" sz="1200" b="0" i="0" kern="1200" dirty="0" smtClean="0">
+                <a:solidFill>
+                  <a:schemeClr val="tx1"/>
+                </a:solidFill>
+                <a:effectLst/>
+                <a:latin typeface="+mn-lt"/>
+                <a:ea typeface="+mn-ea"/>
+                <a:cs typeface="+mn-cs"/>
+              </a:rPr>
+              <a:t> ist ein Supervised Machine Learning Algorithmus -&gt;</a:t>
+            </a:r>
+            <a:r>
+              <a:rPr lang="de-AT" sz="1200" b="0" i="0" kern="1200" baseline="0" dirty="0" smtClean="0">
+                <a:solidFill>
+                  <a:schemeClr val="tx1"/>
+                </a:solidFill>
+                <a:effectLst/>
+                <a:latin typeface="+mn-lt"/>
+                <a:ea typeface="+mn-ea"/>
+                <a:cs typeface="+mn-cs"/>
+              </a:rPr>
+              <a:t> </a:t>
+            </a:r>
+            <a:r>
+              <a:rPr lang="de-AT" sz="1200" b="0" i="0" kern="1200" dirty="0" smtClean="0">
+                <a:solidFill>
+                  <a:schemeClr val="tx1"/>
+                </a:solidFill>
+                <a:effectLst/>
+                <a:latin typeface="+mn-lt"/>
+                <a:ea typeface="+mn-ea"/>
+                <a:cs typeface="+mn-cs"/>
+              </a:rPr>
+              <a:t>Regressionen und </a:t>
+            </a:r>
+            <a:r>
+              <a:rPr lang="de-AT" sz="1200" b="0" i="0" kern="1200" dirty="0" err="1" smtClean="0">
+                <a:solidFill>
+                  <a:schemeClr val="tx1"/>
+                </a:solidFill>
+                <a:effectLst/>
+                <a:latin typeface="+mn-lt"/>
+                <a:ea typeface="+mn-ea"/>
+                <a:cs typeface="+mn-cs"/>
+              </a:rPr>
+              <a:t>KLassifizierungen</a:t>
+            </a:r>
+            <a:r>
+              <a:rPr lang="de-AT" sz="1200" b="0" i="0" kern="1200" dirty="0" smtClean="0">
+                <a:solidFill>
+                  <a:schemeClr val="tx1"/>
+                </a:solidFill>
+                <a:effectLst/>
+                <a:latin typeface="+mn-lt"/>
+                <a:ea typeface="+mn-ea"/>
+                <a:cs typeface="+mn-cs"/>
+              </a:rPr>
+              <a:t> durchzuführen. Folgend werden die Begriffe oberflächlich erklärt</a:t>
+            </a:r>
+          </a:p>
+          <a:p>
+            <a:endParaRPr lang="de-AT" sz="1200" b="0" i="0" kern="1200" dirty="0" smtClean="0">
+              <a:solidFill>
+                <a:schemeClr val="tx1"/>
+              </a:solidFill>
+              <a:effectLst/>
+              <a:latin typeface="+mn-lt"/>
+              <a:ea typeface="+mn-ea"/>
+              <a:cs typeface="+mn-cs"/>
+            </a:endParaRPr>
+          </a:p>
+          <a:p>
+            <a:r>
+              <a:rPr lang="de-AT" sz="1200" b="1" i="0" kern="1200" dirty="0" smtClean="0">
+                <a:solidFill>
+                  <a:schemeClr val="tx1"/>
+                </a:solidFill>
+                <a:effectLst/>
+                <a:latin typeface="+mn-lt"/>
+                <a:ea typeface="+mn-ea"/>
+                <a:cs typeface="+mn-cs"/>
+              </a:rPr>
+              <a:t>Supervised Machine Learning</a:t>
+            </a:r>
+          </a:p>
+          <a:p>
+            <a:r>
+              <a:rPr lang="de-AT" sz="1200" b="0" i="0" kern="1200" dirty="0" smtClean="0">
+                <a:solidFill>
+                  <a:schemeClr val="tx1"/>
+                </a:solidFill>
+                <a:effectLst/>
+                <a:latin typeface="+mn-lt"/>
+                <a:ea typeface="+mn-ea"/>
+                <a:cs typeface="+mn-cs"/>
+              </a:rPr>
+              <a:t>„überwachte Lernen“-&gt;</a:t>
+            </a:r>
+            <a:r>
+              <a:rPr lang="de-AT" sz="1200" b="0" i="0" kern="1200" baseline="0" dirty="0" smtClean="0">
+                <a:solidFill>
+                  <a:schemeClr val="tx1"/>
+                </a:solidFill>
+                <a:effectLst/>
+                <a:latin typeface="+mn-lt"/>
+                <a:ea typeface="+mn-ea"/>
+                <a:cs typeface="+mn-cs"/>
+              </a:rPr>
+              <a:t> </a:t>
+            </a:r>
+            <a:r>
+              <a:rPr lang="de-AT" sz="1200" b="0" i="0" kern="1200" dirty="0" smtClean="0">
+                <a:solidFill>
+                  <a:schemeClr val="tx1"/>
+                </a:solidFill>
+                <a:effectLst/>
+                <a:latin typeface="+mn-lt"/>
+                <a:ea typeface="+mn-ea"/>
+                <a:cs typeface="+mn-cs"/>
+              </a:rPr>
+              <a:t>bekannte Daten benötigt, die bereits die Logik beinhalten, die man gerne auf ein neues </a:t>
+            </a:r>
+            <a:r>
+              <a:rPr lang="de-AT" sz="1200" b="0" i="0" kern="1200" dirty="0" err="1" smtClean="0">
+                <a:solidFill>
+                  <a:schemeClr val="tx1"/>
+                </a:solidFill>
+                <a:effectLst/>
+                <a:latin typeface="+mn-lt"/>
+                <a:ea typeface="+mn-ea"/>
+                <a:cs typeface="+mn-cs"/>
+              </a:rPr>
+              <a:t>Datenset</a:t>
+            </a:r>
+            <a:r>
+              <a:rPr lang="de-AT" sz="1200" b="0" i="0" kern="1200" dirty="0" smtClean="0">
+                <a:solidFill>
+                  <a:schemeClr val="tx1"/>
+                </a:solidFill>
+                <a:effectLst/>
+                <a:latin typeface="+mn-lt"/>
+                <a:ea typeface="+mn-ea"/>
+                <a:cs typeface="+mn-cs"/>
+              </a:rPr>
+              <a:t> anwenden möchte. </a:t>
+            </a:r>
+          </a:p>
+          <a:p>
+            <a:r>
+              <a:rPr lang="de-AT" sz="1200" b="0" i="0" kern="1200" dirty="0" smtClean="0">
+                <a:solidFill>
+                  <a:schemeClr val="tx1"/>
+                </a:solidFill>
+                <a:effectLst/>
+                <a:latin typeface="+mn-lt"/>
+                <a:ea typeface="+mn-ea"/>
+                <a:cs typeface="+mn-cs"/>
+              </a:rPr>
+              <a:t>Die einzelnen Untersuchungen bestehen aus unabhängigen Variablen("</a:t>
+            </a:r>
+            <a:r>
+              <a:rPr lang="de-AT" sz="1200" b="0" i="0" kern="1200" dirty="0" err="1" smtClean="0">
+                <a:solidFill>
+                  <a:schemeClr val="tx1"/>
+                </a:solidFill>
+                <a:effectLst/>
+                <a:latin typeface="+mn-lt"/>
+                <a:ea typeface="+mn-ea"/>
+                <a:cs typeface="+mn-cs"/>
+              </a:rPr>
+              <a:t>predictors</a:t>
+            </a:r>
+            <a:r>
+              <a:rPr lang="de-AT" sz="1200" b="0" i="0" kern="1200" dirty="0" smtClean="0">
+                <a:solidFill>
+                  <a:schemeClr val="tx1"/>
+                </a:solidFill>
+                <a:effectLst/>
+                <a:latin typeface="+mn-lt"/>
+                <a:ea typeface="+mn-ea"/>
+                <a:cs typeface="+mn-cs"/>
+              </a:rPr>
+              <a:t>") und einer abhängigen Variable("Label").</a:t>
+            </a:r>
+          </a:p>
+          <a:p>
+            <a:r>
+              <a:rPr lang="de-AT" sz="1200" b="0" i="0" kern="1200" dirty="0" smtClean="0">
+                <a:solidFill>
+                  <a:schemeClr val="tx1"/>
+                </a:solidFill>
+                <a:effectLst/>
+                <a:latin typeface="+mn-lt"/>
+                <a:ea typeface="+mn-ea"/>
+                <a:cs typeface="+mn-cs"/>
+              </a:rPr>
+              <a:t>Der Algorithmus lernt die Logik innerhalb dieser Daten. -&gt;</a:t>
+            </a:r>
+            <a:r>
+              <a:rPr lang="de-AT" sz="1200" b="0" i="0" kern="1200" baseline="0" dirty="0" smtClean="0">
+                <a:solidFill>
+                  <a:schemeClr val="tx1"/>
+                </a:solidFill>
+                <a:effectLst/>
+                <a:latin typeface="+mn-lt"/>
+                <a:ea typeface="+mn-ea"/>
+                <a:cs typeface="+mn-cs"/>
+              </a:rPr>
+              <a:t> Kann auf neue Daten angewandt werden</a:t>
+            </a:r>
+            <a:endParaRPr lang="de-AT" sz="1200" b="0" i="0" kern="1200" dirty="0" smtClean="0">
+              <a:solidFill>
+                <a:schemeClr val="tx1"/>
+              </a:solidFill>
+              <a:effectLst/>
+              <a:latin typeface="+mn-lt"/>
+              <a:ea typeface="+mn-ea"/>
+              <a:cs typeface="+mn-cs"/>
+            </a:endParaRPr>
+          </a:p>
+          <a:p>
+            <a:r>
+              <a:rPr lang="de-AT" sz="1200" b="1" i="0" kern="1200" dirty="0" smtClean="0">
+                <a:solidFill>
+                  <a:schemeClr val="tx1"/>
+                </a:solidFill>
+                <a:effectLst/>
+                <a:latin typeface="+mn-lt"/>
+                <a:ea typeface="+mn-ea"/>
+                <a:cs typeface="+mn-cs"/>
+              </a:rPr>
+              <a:t>Klassifizierung</a:t>
+            </a:r>
+          </a:p>
+          <a:p>
+            <a:r>
+              <a:rPr lang="de-AT" sz="1200" b="0" i="0" kern="1200" dirty="0" smtClean="0">
+                <a:solidFill>
+                  <a:schemeClr val="tx1"/>
+                </a:solidFill>
+                <a:effectLst/>
+                <a:latin typeface="+mn-lt"/>
+                <a:ea typeface="+mn-ea"/>
+                <a:cs typeface="+mn-cs"/>
+              </a:rPr>
+              <a:t>erklärende Variable ein diskreter Wert. Die Klassen können dabei </a:t>
+            </a:r>
+            <a:r>
+              <a:rPr lang="de-AT" sz="1200" b="0" i="0" kern="1200" dirty="0" err="1" smtClean="0">
+                <a:solidFill>
+                  <a:schemeClr val="tx1"/>
+                </a:solidFill>
+                <a:effectLst/>
+                <a:latin typeface="+mn-lt"/>
+                <a:ea typeface="+mn-ea"/>
+                <a:cs typeface="+mn-cs"/>
+              </a:rPr>
+              <a:t>zB</a:t>
+            </a:r>
+            <a:r>
+              <a:rPr lang="de-AT" sz="1200" b="0" i="0" kern="1200" dirty="0" smtClean="0">
+                <a:solidFill>
+                  <a:schemeClr val="tx1"/>
+                </a:solidFill>
+                <a:effectLst/>
+                <a:latin typeface="+mn-lt"/>
+                <a:ea typeface="+mn-ea"/>
+                <a:cs typeface="+mn-cs"/>
+              </a:rPr>
+              <a:t>. die binäre Unterscheidung von "wahr" und "falsch" sein</a:t>
+            </a:r>
+          </a:p>
+          <a:p>
+            <a:r>
+              <a:rPr lang="de-AT" sz="1200" b="1" i="0" kern="1200" dirty="0" smtClean="0">
+                <a:solidFill>
+                  <a:schemeClr val="tx1"/>
+                </a:solidFill>
+                <a:effectLst/>
+                <a:latin typeface="+mn-lt"/>
+                <a:ea typeface="+mn-ea"/>
+                <a:cs typeface="+mn-cs"/>
+              </a:rPr>
+              <a:t>Regression</a:t>
+            </a:r>
+          </a:p>
+          <a:p>
+            <a:r>
+              <a:rPr lang="de-AT" sz="1200" b="0" i="0" kern="1200" dirty="0" smtClean="0">
+                <a:solidFill>
+                  <a:schemeClr val="tx1"/>
+                </a:solidFill>
+                <a:effectLst/>
+                <a:latin typeface="+mn-lt"/>
+                <a:ea typeface="+mn-ea"/>
+                <a:cs typeface="+mn-cs"/>
+              </a:rPr>
+              <a:t>Ein Regressionsproblem hat eine reelle Zahl als zu ermittelnden Wert. Dies könnte </a:t>
+            </a:r>
+            <a:r>
+              <a:rPr lang="de-AT" sz="1200" b="0" i="0" kern="1200" dirty="0" err="1" smtClean="0">
+                <a:solidFill>
+                  <a:schemeClr val="tx1"/>
+                </a:solidFill>
+                <a:effectLst/>
+                <a:latin typeface="+mn-lt"/>
+                <a:ea typeface="+mn-ea"/>
+                <a:cs typeface="+mn-cs"/>
+              </a:rPr>
+              <a:t>zB</a:t>
+            </a:r>
+            <a:r>
+              <a:rPr lang="de-AT" sz="1200" b="0" i="0" kern="1200" dirty="0" smtClean="0">
+                <a:solidFill>
+                  <a:schemeClr val="tx1"/>
+                </a:solidFill>
+                <a:effectLst/>
+                <a:latin typeface="+mn-lt"/>
+                <a:ea typeface="+mn-ea"/>
+                <a:cs typeface="+mn-cs"/>
+              </a:rPr>
+              <a:t> die Ermittlung des Gewichts eines Menschen sein, anhand der Informationen Geschlecht und Körpergröße.</a:t>
+            </a:r>
+          </a:p>
+          <a:p>
+            <a:endParaRPr lang="de-AT" dirty="0"/>
+          </a:p>
+        </p:txBody>
+      </p:sp>
+      <p:sp>
+        <p:nvSpPr>
+          <p:cNvPr id="4" name="Foliennummernplatzhalter 3"/>
+          <p:cNvSpPr>
+            <a:spLocks noGrp="1"/>
+          </p:cNvSpPr>
+          <p:nvPr>
+            <p:ph type="sldNum" sz="quarter" idx="10"/>
+          </p:nvPr>
+        </p:nvSpPr>
+        <p:spPr/>
+        <p:txBody>
+          <a:bodyPr/>
+          <a:lstStyle/>
+          <a:p>
+            <a:fld id="{9F819866-7D04-4679-A9CF-4CECA34B22E0}" type="slidenum">
+              <a:rPr lang="de-AT" smtClean="0"/>
+              <a:t>3</a:t>
+            </a:fld>
+            <a:endParaRPr lang="de-AT"/>
+          </a:p>
+        </p:txBody>
+      </p:sp>
+    </p:spTree>
+    <p:extLst>
+      <p:ext uri="{BB962C8B-B14F-4D97-AF65-F5344CB8AC3E}">
+        <p14:creationId xmlns:p14="http://schemas.microsoft.com/office/powerpoint/2010/main" val="129400735"/>
+      </p:ext>
+    </p:extLst>
+  </p:cSld>
+  <p:clrMapOvr>
+    <a:masterClrMapping/>
+  </p:clrMapOvr>
+</p:notes>
+</file>
+
+<file path=ppt/notesSlides/notesSlide2.xml><?xml version="1.0" encoding="utf-8"?>
+<p:notes xmlns:a="http://schemas.openxmlformats.org/drawingml/2006/main" xmlns:r="http://schemas.openxmlformats.org/officeDocument/2006/relationships" xmlns:p="http://schemas.openxmlformats.org/presentationml/2006/main">
+  <p:cSld>
+    <p:spTree>
+      <p:nvGrpSpPr>
+        <p:cNvPr id="1" name=""/>
+        <p:cNvGrpSpPr/>
+        <p:nvPr/>
+      </p:nvGrpSpPr>
+      <p:grpSpPr>
+        <a:xfrm>
+          <a:off x="0" y="0"/>
+          <a:ext cx="0" cy="0"/>
+          <a:chOff x="0" y="0"/>
+          <a:chExt cx="0" cy="0"/>
+        </a:xfrm>
+      </p:grpSpPr>
+      <p:sp>
+        <p:nvSpPr>
+          <p:cNvPr id="2" name="Folienbildplatzhalter 1"/>
+          <p:cNvSpPr>
+            <a:spLocks noGrp="1" noRot="1" noChangeAspect="1"/>
+          </p:cNvSpPr>
+          <p:nvPr>
+            <p:ph type="sldImg"/>
+          </p:nvPr>
+        </p:nvSpPr>
+        <p:spPr/>
+      </p:sp>
+      <p:sp>
+        <p:nvSpPr>
+          <p:cNvPr id="3" name="Notizenplatzhalter 2"/>
+          <p:cNvSpPr>
+            <a:spLocks noGrp="1"/>
+          </p:cNvSpPr>
+          <p:nvPr>
+            <p:ph type="body" idx="1"/>
+          </p:nvPr>
+        </p:nvSpPr>
+        <p:spPr/>
+        <p:txBody>
+          <a:bodyPr/>
+          <a:lstStyle/>
+          <a:p>
+            <a:r>
+              <a:rPr lang="de-AT" sz="1200" b="0" i="0" kern="1200" dirty="0" smtClean="0">
+                <a:solidFill>
+                  <a:schemeClr val="tx1"/>
+                </a:solidFill>
+                <a:effectLst/>
+                <a:latin typeface="+mn-lt"/>
+                <a:ea typeface="+mn-ea"/>
+                <a:cs typeface="+mn-cs"/>
+              </a:rPr>
+              <a:t>Folgend findet sich eine Verteilung von Datenpunkten bestehend aus den Klassen "rote Kreise"(</a:t>
+            </a:r>
+            <a:r>
+              <a:rPr lang="de-AT" sz="1200" b="0" i="0" kern="1200" dirty="0" err="1" smtClean="0">
+                <a:solidFill>
+                  <a:schemeClr val="tx1"/>
+                </a:solidFill>
+                <a:effectLst/>
+                <a:latin typeface="+mn-lt"/>
+                <a:ea typeface="+mn-ea"/>
+                <a:cs typeface="+mn-cs"/>
+              </a:rPr>
+              <a:t>RK</a:t>
+            </a:r>
+            <a:r>
+              <a:rPr lang="de-AT" sz="1200" b="0" i="0" kern="1200" dirty="0" smtClean="0">
+                <a:solidFill>
+                  <a:schemeClr val="tx1"/>
+                </a:solidFill>
+                <a:effectLst/>
+                <a:latin typeface="+mn-lt"/>
+                <a:ea typeface="+mn-ea"/>
+                <a:cs typeface="+mn-cs"/>
+              </a:rPr>
+              <a:t>) und "grüne Rechtecke"(</a:t>
+            </a:r>
+            <a:r>
+              <a:rPr lang="de-AT" sz="1200" b="0" i="0" kern="1200" dirty="0" err="1" smtClean="0">
+                <a:solidFill>
+                  <a:schemeClr val="tx1"/>
+                </a:solidFill>
+                <a:effectLst/>
+                <a:latin typeface="+mn-lt"/>
+                <a:ea typeface="+mn-ea"/>
+                <a:cs typeface="+mn-cs"/>
+              </a:rPr>
+              <a:t>GR</a:t>
+            </a:r>
+            <a:r>
+              <a:rPr lang="de-AT" sz="1200" b="0" i="0" kern="1200" dirty="0" smtClean="0">
+                <a:solidFill>
+                  <a:schemeClr val="tx1"/>
+                </a:solidFill>
+                <a:effectLst/>
+                <a:latin typeface="+mn-lt"/>
+                <a:ea typeface="+mn-ea"/>
+                <a:cs typeface="+mn-cs"/>
+              </a:rPr>
+              <a:t>). Ziel des Algorithmus ist es die zugehörige Klasse für den "blauen Stern"(</a:t>
+            </a:r>
+            <a:r>
+              <a:rPr lang="de-AT" sz="1200" b="0" i="0" kern="1200" dirty="0" err="1" smtClean="0">
+                <a:solidFill>
+                  <a:schemeClr val="tx1"/>
+                </a:solidFill>
+                <a:effectLst/>
+                <a:latin typeface="+mn-lt"/>
+                <a:ea typeface="+mn-ea"/>
+                <a:cs typeface="+mn-cs"/>
+              </a:rPr>
+              <a:t>BS</a:t>
+            </a:r>
+            <a:r>
+              <a:rPr lang="de-AT" sz="1200" b="0" i="0" kern="1200" dirty="0" smtClean="0">
+                <a:solidFill>
+                  <a:schemeClr val="tx1"/>
+                </a:solidFill>
+                <a:effectLst/>
+                <a:latin typeface="+mn-lt"/>
+                <a:ea typeface="+mn-ea"/>
+                <a:cs typeface="+mn-cs"/>
+              </a:rPr>
+              <a:t>) zu ermitteln.</a:t>
+            </a:r>
+          </a:p>
+          <a:p>
+            <a:r>
+              <a:rPr lang="de-AT" dirty="0" smtClean="0"/>
+              <a:t/>
+            </a:r>
+            <a:br>
+              <a:rPr lang="de-AT" dirty="0" smtClean="0"/>
+            </a:br>
+            <a:r>
+              <a:rPr lang="de-AT" sz="1200" b="0" i="0" kern="1200" dirty="0" err="1" smtClean="0">
+                <a:solidFill>
+                  <a:schemeClr val="tx1"/>
+                </a:solidFill>
+                <a:effectLst/>
+                <a:latin typeface="+mn-lt"/>
+                <a:ea typeface="+mn-ea"/>
+                <a:cs typeface="+mn-cs"/>
+              </a:rPr>
+              <a:t>BS</a:t>
+            </a:r>
+            <a:r>
+              <a:rPr lang="de-AT" sz="1200" b="0" i="0" kern="1200" dirty="0" smtClean="0">
+                <a:solidFill>
+                  <a:schemeClr val="tx1"/>
+                </a:solidFill>
+                <a:effectLst/>
+                <a:latin typeface="+mn-lt"/>
+                <a:ea typeface="+mn-ea"/>
+                <a:cs typeface="+mn-cs"/>
+              </a:rPr>
+              <a:t> kann entweder der Klasse </a:t>
+            </a:r>
+            <a:r>
+              <a:rPr lang="de-AT" sz="1200" b="0" i="0" kern="1200" dirty="0" err="1" smtClean="0">
+                <a:solidFill>
+                  <a:schemeClr val="tx1"/>
+                </a:solidFill>
+                <a:effectLst/>
+                <a:latin typeface="+mn-lt"/>
+                <a:ea typeface="+mn-ea"/>
+                <a:cs typeface="+mn-cs"/>
+              </a:rPr>
+              <a:t>RK</a:t>
+            </a:r>
+            <a:r>
+              <a:rPr lang="de-AT" sz="1200" b="0" i="0" kern="1200" dirty="0" smtClean="0">
+                <a:solidFill>
+                  <a:schemeClr val="tx1"/>
+                </a:solidFill>
+                <a:effectLst/>
+                <a:latin typeface="+mn-lt"/>
+                <a:ea typeface="+mn-ea"/>
+                <a:cs typeface="+mn-cs"/>
+              </a:rPr>
+              <a:t> oder </a:t>
+            </a:r>
+            <a:r>
+              <a:rPr lang="de-AT" sz="1200" b="0" i="0" kern="1200" dirty="0" err="1" smtClean="0">
+                <a:solidFill>
+                  <a:schemeClr val="tx1"/>
+                </a:solidFill>
+                <a:effectLst/>
+                <a:latin typeface="+mn-lt"/>
+                <a:ea typeface="+mn-ea"/>
+                <a:cs typeface="+mn-cs"/>
+              </a:rPr>
+              <a:t>GR</a:t>
+            </a:r>
+            <a:r>
+              <a:rPr lang="de-AT" sz="1200" b="0" i="0" kern="1200" dirty="0" smtClean="0">
+                <a:solidFill>
+                  <a:schemeClr val="tx1"/>
+                </a:solidFill>
+                <a:effectLst/>
+                <a:latin typeface="+mn-lt"/>
+                <a:ea typeface="+mn-ea"/>
+                <a:cs typeface="+mn-cs"/>
+              </a:rPr>
+              <a:t> zugeordnet werden. Bei der Namensgebung des </a:t>
+            </a:r>
+            <a:r>
+              <a:rPr lang="de-AT" sz="1200" b="0" i="0" kern="1200" dirty="0" err="1" smtClean="0">
+                <a:solidFill>
+                  <a:schemeClr val="tx1"/>
+                </a:solidFill>
+                <a:effectLst/>
+                <a:latin typeface="+mn-lt"/>
+                <a:ea typeface="+mn-ea"/>
+                <a:cs typeface="+mn-cs"/>
+              </a:rPr>
+              <a:t>KNN</a:t>
+            </a:r>
+            <a:r>
+              <a:rPr lang="de-AT" sz="1200" b="0" i="0" kern="1200" dirty="0" smtClean="0">
+                <a:solidFill>
+                  <a:schemeClr val="tx1"/>
+                </a:solidFill>
+                <a:effectLst/>
+                <a:latin typeface="+mn-lt"/>
+                <a:ea typeface="+mn-ea"/>
+                <a:cs typeface="+mn-cs"/>
+              </a:rPr>
+              <a:t> steht "K" für eine Anzahl an zu betratenden Nachbarn um die Zugehörigkeit neuer Datenpunkte zu einer Klasse zu ermitteln. </a:t>
+            </a:r>
+            <a:endParaRPr lang="de-AT" dirty="0"/>
+          </a:p>
+        </p:txBody>
+      </p:sp>
+      <p:sp>
+        <p:nvSpPr>
+          <p:cNvPr id="4" name="Foliennummernplatzhalter 3"/>
+          <p:cNvSpPr>
+            <a:spLocks noGrp="1"/>
+          </p:cNvSpPr>
+          <p:nvPr>
+            <p:ph type="sldNum" sz="quarter" idx="10"/>
+          </p:nvPr>
+        </p:nvSpPr>
+        <p:spPr/>
+        <p:txBody>
+          <a:bodyPr/>
+          <a:lstStyle/>
+          <a:p>
+            <a:fld id="{9F819866-7D04-4679-A9CF-4CECA34B22E0}" type="slidenum">
+              <a:rPr lang="de-AT" smtClean="0"/>
+              <a:t>4</a:t>
+            </a:fld>
+            <a:endParaRPr lang="de-AT"/>
+          </a:p>
+        </p:txBody>
+      </p:sp>
+    </p:spTree>
+    <p:extLst>
+      <p:ext uri="{BB962C8B-B14F-4D97-AF65-F5344CB8AC3E}">
+        <p14:creationId xmlns:p14="http://schemas.microsoft.com/office/powerpoint/2010/main" val="1937805962"/>
+      </p:ext>
+    </p:extLst>
+  </p:cSld>
+  <p:clrMapOvr>
+    <a:masterClrMapping/>
+  </p:clrMapOvr>
+</p:notes>
+</file>
+
+<file path=ppt/notesSlides/notesSlide3.xml><?xml version="1.0" encoding="utf-8"?>
+<p:notes xmlns:a="http://schemas.openxmlformats.org/drawingml/2006/main" xmlns:r="http://schemas.openxmlformats.org/officeDocument/2006/relationships" xmlns:p="http://schemas.openxmlformats.org/presentationml/2006/main">
+  <p:cSld>
+    <p:spTree>
+      <p:nvGrpSpPr>
+        <p:cNvPr id="1" name=""/>
+        <p:cNvGrpSpPr/>
+        <p:nvPr/>
+      </p:nvGrpSpPr>
+      <p:grpSpPr>
+        <a:xfrm>
+          <a:off x="0" y="0"/>
+          <a:ext cx="0" cy="0"/>
+          <a:chOff x="0" y="0"/>
+          <a:chExt cx="0" cy="0"/>
+        </a:xfrm>
+      </p:grpSpPr>
+      <p:sp>
+        <p:nvSpPr>
+          <p:cNvPr id="2" name="Folienbildplatzhalter 1"/>
+          <p:cNvSpPr>
+            <a:spLocks noGrp="1" noRot="1" noChangeAspect="1"/>
+          </p:cNvSpPr>
+          <p:nvPr>
+            <p:ph type="sldImg"/>
+          </p:nvPr>
+        </p:nvSpPr>
+        <p:spPr/>
+      </p:sp>
+      <p:sp>
+        <p:nvSpPr>
+          <p:cNvPr id="3" name="Notizenplatzhalter 2"/>
+          <p:cNvSpPr>
+            <a:spLocks noGrp="1"/>
+          </p:cNvSpPr>
+          <p:nvPr>
+            <p:ph type="body" idx="1"/>
+          </p:nvPr>
+        </p:nvSpPr>
+        <p:spPr/>
+        <p:txBody>
+          <a:bodyPr/>
+          <a:lstStyle/>
+          <a:p>
+            <a:r>
+              <a:rPr lang="de-AT" sz="1200" b="0" i="0" kern="1200" dirty="0" smtClean="0">
+                <a:solidFill>
+                  <a:schemeClr val="tx1"/>
+                </a:solidFill>
+                <a:effectLst/>
+                <a:latin typeface="+mn-lt"/>
+                <a:ea typeface="+mn-ea"/>
+                <a:cs typeface="+mn-cs"/>
+              </a:rPr>
+              <a:t>Angenommen der Wert für K=3, so wird die Klassenzugehörigkeit der drei nächstgelegenen Datenpunkte ermittelt um die Klasse für den zu untersuchenden Punkt zu ermitteln.</a:t>
+            </a:r>
+          </a:p>
+          <a:p>
+            <a:endParaRPr lang="de-AT" sz="1200" b="0" i="0" kern="1200" dirty="0" smtClean="0">
+              <a:solidFill>
+                <a:schemeClr val="tx1"/>
+              </a:solidFill>
+              <a:effectLst/>
+              <a:latin typeface="+mn-lt"/>
+              <a:ea typeface="+mn-ea"/>
+              <a:cs typeface="+mn-cs"/>
+            </a:endParaRPr>
+          </a:p>
+          <a:p>
+            <a:r>
+              <a:rPr lang="de-AT" sz="1200" b="0" i="0" kern="1200" dirty="0" smtClean="0">
+                <a:solidFill>
+                  <a:schemeClr val="tx1"/>
+                </a:solidFill>
+                <a:effectLst/>
+                <a:latin typeface="+mn-lt"/>
+                <a:ea typeface="+mn-ea"/>
+                <a:cs typeface="+mn-cs"/>
+              </a:rPr>
+              <a:t>Die drei nächsten Punkte zu </a:t>
+            </a:r>
+            <a:r>
+              <a:rPr lang="de-AT" sz="1200" b="0" i="0" kern="1200" dirty="0" err="1" smtClean="0">
+                <a:solidFill>
+                  <a:schemeClr val="tx1"/>
+                </a:solidFill>
+                <a:effectLst/>
+                <a:latin typeface="+mn-lt"/>
+                <a:ea typeface="+mn-ea"/>
+                <a:cs typeface="+mn-cs"/>
+              </a:rPr>
+              <a:t>BS</a:t>
+            </a:r>
+            <a:r>
+              <a:rPr lang="de-AT" sz="1200" b="0" i="0" kern="1200" dirty="0" smtClean="0">
+                <a:solidFill>
+                  <a:schemeClr val="tx1"/>
+                </a:solidFill>
+                <a:effectLst/>
+                <a:latin typeface="+mn-lt"/>
+                <a:ea typeface="+mn-ea"/>
+                <a:cs typeface="+mn-cs"/>
+              </a:rPr>
+              <a:t> sind alle </a:t>
+            </a:r>
+            <a:r>
+              <a:rPr lang="de-AT" sz="1200" b="0" i="0" kern="1200" dirty="0" err="1" smtClean="0">
+                <a:solidFill>
+                  <a:schemeClr val="tx1"/>
+                </a:solidFill>
+                <a:effectLst/>
+                <a:latin typeface="+mn-lt"/>
+                <a:ea typeface="+mn-ea"/>
+                <a:cs typeface="+mn-cs"/>
+              </a:rPr>
+              <a:t>RK</a:t>
+            </a:r>
+            <a:r>
+              <a:rPr lang="de-AT" sz="1200" b="0" i="0" kern="1200" dirty="0" smtClean="0">
+                <a:solidFill>
+                  <a:schemeClr val="tx1"/>
+                </a:solidFill>
+                <a:effectLst/>
+                <a:latin typeface="+mn-lt"/>
+                <a:ea typeface="+mn-ea"/>
+                <a:cs typeface="+mn-cs"/>
+              </a:rPr>
+              <a:t>. Mit hohe Sicherheit können wir also sagen, </a:t>
+            </a:r>
+            <a:r>
+              <a:rPr lang="de-AT" sz="1200" b="0" i="0" kern="1200" dirty="0" err="1" smtClean="0">
+                <a:solidFill>
+                  <a:schemeClr val="tx1"/>
+                </a:solidFill>
+                <a:effectLst/>
+                <a:latin typeface="+mn-lt"/>
+                <a:ea typeface="+mn-ea"/>
+                <a:cs typeface="+mn-cs"/>
+              </a:rPr>
+              <a:t>dass</a:t>
+            </a:r>
+            <a:r>
+              <a:rPr lang="de-AT" sz="1200" b="0" i="0" kern="1200" dirty="0" smtClean="0">
+                <a:solidFill>
+                  <a:schemeClr val="tx1"/>
+                </a:solidFill>
+                <a:effectLst/>
+                <a:latin typeface="+mn-lt"/>
+                <a:ea typeface="+mn-ea"/>
+                <a:cs typeface="+mn-cs"/>
+              </a:rPr>
+              <a:t> zur Klasse </a:t>
+            </a:r>
+            <a:r>
+              <a:rPr lang="de-AT" sz="1200" b="0" i="0" kern="1200" dirty="0" err="1" smtClean="0">
+                <a:solidFill>
+                  <a:schemeClr val="tx1"/>
+                </a:solidFill>
+                <a:effectLst/>
+                <a:latin typeface="+mn-lt"/>
+                <a:ea typeface="+mn-ea"/>
+                <a:cs typeface="+mn-cs"/>
+              </a:rPr>
+              <a:t>RK</a:t>
+            </a:r>
+            <a:r>
+              <a:rPr lang="de-AT" sz="1200" b="0" i="0" kern="1200" dirty="0" smtClean="0">
+                <a:solidFill>
+                  <a:schemeClr val="tx1"/>
+                </a:solidFill>
+                <a:effectLst/>
+                <a:latin typeface="+mn-lt"/>
+                <a:ea typeface="+mn-ea"/>
+                <a:cs typeface="+mn-cs"/>
+              </a:rPr>
+              <a:t> gehören sollte. Hier Klasse offensichtlich da alle Nachbarn </a:t>
+            </a:r>
+            <a:r>
+              <a:rPr lang="de-AT" sz="1200" b="0" i="0" kern="1200" dirty="0" err="1" smtClean="0">
+                <a:solidFill>
+                  <a:schemeClr val="tx1"/>
+                </a:solidFill>
+                <a:effectLst/>
+                <a:latin typeface="+mn-lt"/>
+                <a:ea typeface="+mn-ea"/>
+                <a:cs typeface="+mn-cs"/>
+              </a:rPr>
+              <a:t>RK</a:t>
+            </a:r>
+            <a:r>
+              <a:rPr lang="de-AT" sz="1200" b="0" i="0" kern="1200" dirty="0" smtClean="0">
+                <a:solidFill>
+                  <a:schemeClr val="tx1"/>
+                </a:solidFill>
+                <a:effectLst/>
+                <a:latin typeface="+mn-lt"/>
+                <a:ea typeface="+mn-ea"/>
+                <a:cs typeface="+mn-cs"/>
+              </a:rPr>
+              <a:t>. </a:t>
+            </a:r>
+          </a:p>
+          <a:p>
+            <a:r>
+              <a:rPr lang="de-AT" sz="1200" b="0" i="0" kern="1200" dirty="0" smtClean="0">
+                <a:solidFill>
+                  <a:schemeClr val="tx1"/>
+                </a:solidFill>
+                <a:effectLst/>
+                <a:latin typeface="+mn-lt"/>
+                <a:ea typeface="+mn-ea"/>
+                <a:cs typeface="+mn-cs"/>
+              </a:rPr>
+              <a:t>Somit wird ersichtlich </a:t>
+            </a:r>
+            <a:r>
+              <a:rPr lang="de-AT" sz="1200" b="0" i="0" kern="1200" dirty="0" err="1" smtClean="0">
+                <a:solidFill>
+                  <a:schemeClr val="tx1"/>
+                </a:solidFill>
+                <a:effectLst/>
+                <a:latin typeface="+mn-lt"/>
+                <a:ea typeface="+mn-ea"/>
+                <a:cs typeface="+mn-cs"/>
+              </a:rPr>
+              <a:t>dass</a:t>
+            </a:r>
+            <a:r>
+              <a:rPr lang="de-AT" sz="1200" b="0" i="0" kern="1200" dirty="0" smtClean="0">
+                <a:solidFill>
+                  <a:schemeClr val="tx1"/>
+                </a:solidFill>
+                <a:effectLst/>
+                <a:latin typeface="+mn-lt"/>
+                <a:ea typeface="+mn-ea"/>
+                <a:cs typeface="+mn-cs"/>
+              </a:rPr>
+              <a:t> die Auswahl des Parameters K eine entscheidende Rolle für die Genauigkeit und Funktion des </a:t>
+            </a:r>
+            <a:r>
+              <a:rPr lang="de-AT" sz="1200" b="0" i="0" kern="1200" dirty="0" err="1" smtClean="0">
+                <a:solidFill>
+                  <a:schemeClr val="tx1"/>
+                </a:solidFill>
+                <a:effectLst/>
+                <a:latin typeface="+mn-lt"/>
+                <a:ea typeface="+mn-ea"/>
+                <a:cs typeface="+mn-cs"/>
+              </a:rPr>
+              <a:t>KNN</a:t>
+            </a:r>
+            <a:r>
+              <a:rPr lang="de-AT" sz="1200" b="0" i="0" kern="1200" dirty="0" smtClean="0">
+                <a:solidFill>
+                  <a:schemeClr val="tx1"/>
+                </a:solidFill>
+                <a:effectLst/>
+                <a:latin typeface="+mn-lt"/>
+                <a:ea typeface="+mn-ea"/>
+                <a:cs typeface="+mn-cs"/>
+              </a:rPr>
+              <a:t> Algorithmus hat.</a:t>
+            </a:r>
+          </a:p>
+          <a:p>
+            <a:endParaRPr lang="de-AT" dirty="0"/>
+          </a:p>
+        </p:txBody>
+      </p:sp>
+      <p:sp>
+        <p:nvSpPr>
+          <p:cNvPr id="4" name="Foliennummernplatzhalter 3"/>
+          <p:cNvSpPr>
+            <a:spLocks noGrp="1"/>
+          </p:cNvSpPr>
+          <p:nvPr>
+            <p:ph type="sldNum" sz="quarter" idx="10"/>
+          </p:nvPr>
+        </p:nvSpPr>
+        <p:spPr/>
+        <p:txBody>
+          <a:bodyPr/>
+          <a:lstStyle/>
+          <a:p>
+            <a:fld id="{9F819866-7D04-4679-A9CF-4CECA34B22E0}" type="slidenum">
+              <a:rPr lang="de-AT" smtClean="0"/>
+              <a:t>5</a:t>
+            </a:fld>
+            <a:endParaRPr lang="de-AT"/>
+          </a:p>
+        </p:txBody>
+      </p:sp>
+    </p:spTree>
+    <p:extLst>
+      <p:ext uri="{BB962C8B-B14F-4D97-AF65-F5344CB8AC3E}">
+        <p14:creationId xmlns:p14="http://schemas.microsoft.com/office/powerpoint/2010/main" val="204659842"/>
+      </p:ext>
+    </p:extLst>
+  </p:cSld>
+  <p:clrMapOvr>
+    <a:masterClrMapping/>
+  </p:clrMapOvr>
+</p:notes>
+</file>
+
+<file path=ppt/notesSlides/notesSlide4.xml><?xml version="1.0" encoding="utf-8"?>
+<p:notes xmlns:a="http://schemas.openxmlformats.org/drawingml/2006/main" xmlns:r="http://schemas.openxmlformats.org/officeDocument/2006/relationships" xmlns:p="http://schemas.openxmlformats.org/presentationml/2006/main">
+  <p:cSld>
+    <p:spTree>
+      <p:nvGrpSpPr>
+        <p:cNvPr id="1" name=""/>
+        <p:cNvGrpSpPr/>
+        <p:nvPr/>
+      </p:nvGrpSpPr>
+      <p:grpSpPr>
+        <a:xfrm>
+          <a:off x="0" y="0"/>
+          <a:ext cx="0" cy="0"/>
+          <a:chOff x="0" y="0"/>
+          <a:chExt cx="0" cy="0"/>
+        </a:xfrm>
+      </p:grpSpPr>
+      <p:sp>
+        <p:nvSpPr>
+          <p:cNvPr id="2" name="Folienbildplatzhalter 1"/>
+          <p:cNvSpPr>
+            <a:spLocks noGrp="1" noRot="1" noChangeAspect="1"/>
+          </p:cNvSpPr>
+          <p:nvPr>
+            <p:ph type="sldImg"/>
+          </p:nvPr>
+        </p:nvSpPr>
+        <p:spPr/>
+      </p:sp>
+      <p:sp>
+        <p:nvSpPr>
+          <p:cNvPr id="3" name="Notizenplatzhalter 2"/>
+          <p:cNvSpPr>
+            <a:spLocks noGrp="1"/>
+          </p:cNvSpPr>
+          <p:nvPr>
+            <p:ph type="body" idx="1"/>
+          </p:nvPr>
+        </p:nvSpPr>
+        <p:spPr/>
+        <p:txBody>
+          <a:bodyPr/>
+          <a:lstStyle/>
+          <a:p>
+            <a:r>
+              <a:rPr lang="de-AT" sz="1200" b="0" i="0" kern="1200" dirty="0" smtClean="0">
+                <a:solidFill>
+                  <a:schemeClr val="tx1"/>
+                </a:solidFill>
+                <a:effectLst/>
+                <a:latin typeface="+mn-lt"/>
+                <a:ea typeface="+mn-ea"/>
+                <a:cs typeface="+mn-cs"/>
+              </a:rPr>
+              <a:t>Bei genauerer Betrachtung kann festgestellt werden, </a:t>
+            </a:r>
+            <a:r>
+              <a:rPr lang="de-AT" sz="1200" b="0" i="0" kern="1200" dirty="0" err="1" smtClean="0">
+                <a:solidFill>
+                  <a:schemeClr val="tx1"/>
+                </a:solidFill>
+                <a:effectLst/>
+                <a:latin typeface="+mn-lt"/>
+                <a:ea typeface="+mn-ea"/>
+                <a:cs typeface="+mn-cs"/>
+              </a:rPr>
+              <a:t>dass</a:t>
+            </a:r>
+            <a:r>
+              <a:rPr lang="de-AT" sz="1200" b="0" i="0" kern="1200" dirty="0" smtClean="0">
+                <a:solidFill>
+                  <a:schemeClr val="tx1"/>
+                </a:solidFill>
+                <a:effectLst/>
+                <a:latin typeface="+mn-lt"/>
+                <a:ea typeface="+mn-ea"/>
+                <a:cs typeface="+mn-cs"/>
+              </a:rPr>
+              <a:t> bei zunehmenden Wert für "K" die Grenzen zwischen den Klassen immer glatter werden und nicht so sprunghaft sind wie bei niedrigem K-Wert. </a:t>
+            </a:r>
+            <a:endParaRPr lang="de-AT" dirty="0"/>
+          </a:p>
+        </p:txBody>
+      </p:sp>
+      <p:sp>
+        <p:nvSpPr>
+          <p:cNvPr id="4" name="Foliennummernplatzhalter 3"/>
+          <p:cNvSpPr>
+            <a:spLocks noGrp="1"/>
+          </p:cNvSpPr>
+          <p:nvPr>
+            <p:ph type="sldNum" sz="quarter" idx="10"/>
+          </p:nvPr>
+        </p:nvSpPr>
+        <p:spPr/>
+        <p:txBody>
+          <a:bodyPr/>
+          <a:lstStyle/>
+          <a:p>
+            <a:fld id="{9F819866-7D04-4679-A9CF-4CECA34B22E0}" type="slidenum">
+              <a:rPr lang="de-AT" smtClean="0"/>
+              <a:t>7</a:t>
+            </a:fld>
+            <a:endParaRPr lang="de-AT"/>
+          </a:p>
+        </p:txBody>
+      </p:sp>
+    </p:spTree>
+    <p:extLst>
+      <p:ext uri="{BB962C8B-B14F-4D97-AF65-F5344CB8AC3E}">
+        <p14:creationId xmlns:p14="http://schemas.microsoft.com/office/powerpoint/2010/main" val="4106666681"/>
+      </p:ext>
+    </p:extLst>
+  </p:cSld>
+  <p:clrMapOvr>
+    <a:masterClrMapping/>
+  </p:clrMapOvr>
+</p:notes>
+</file>
+
+<file path=ppt/notesSlides/notesSlide5.xml><?xml version="1.0" encoding="utf-8"?>
+<p:notes xmlns:a="http://schemas.openxmlformats.org/drawingml/2006/main" xmlns:r="http://schemas.openxmlformats.org/officeDocument/2006/relationships" xmlns:p="http://schemas.openxmlformats.org/presentationml/2006/main">
+  <p:cSld>
+    <p:spTree>
+      <p:nvGrpSpPr>
+        <p:cNvPr id="1" name=""/>
+        <p:cNvGrpSpPr/>
+        <p:nvPr/>
+      </p:nvGrpSpPr>
+      <p:grpSpPr>
+        <a:xfrm>
+          <a:off x="0" y="0"/>
+          <a:ext cx="0" cy="0"/>
+          <a:chOff x="0" y="0"/>
+          <a:chExt cx="0" cy="0"/>
+        </a:xfrm>
+      </p:grpSpPr>
+      <p:sp>
+        <p:nvSpPr>
+          <p:cNvPr id="2" name="Folienbildplatzhalter 1"/>
+          <p:cNvSpPr>
+            <a:spLocks noGrp="1" noRot="1" noChangeAspect="1"/>
+          </p:cNvSpPr>
+          <p:nvPr>
+            <p:ph type="sldImg"/>
+          </p:nvPr>
+        </p:nvSpPr>
+        <p:spPr/>
+      </p:sp>
+      <p:sp>
+        <p:nvSpPr>
+          <p:cNvPr id="3" name="Notizenplatzhalter 2"/>
+          <p:cNvSpPr>
+            <a:spLocks noGrp="1"/>
+          </p:cNvSpPr>
+          <p:nvPr>
+            <p:ph type="body" idx="1"/>
+          </p:nvPr>
+        </p:nvSpPr>
+        <p:spPr/>
+        <p:txBody>
+          <a:bodyPr/>
+          <a:lstStyle/>
+          <a:p>
+            <a:pPr marL="0" marR="0" lvl="0" indent="0" algn="l" defTabSz="914400" rtl="0" eaLnBrk="1" fontAlgn="auto" latinLnBrk="0" hangingPunct="1">
+              <a:lnSpc>
+                <a:spcPct val="100000"/>
+              </a:lnSpc>
+              <a:spcBef>
+                <a:spcPts val="0"/>
+              </a:spcBef>
+              <a:spcAft>
+                <a:spcPts val="0"/>
+              </a:spcAft>
+              <a:buClrTx/>
+              <a:buSzTx/>
+              <a:buFontTx/>
+              <a:buNone/>
+              <a:tabLst/>
+              <a:defRPr/>
+            </a:pPr>
+            <a:r>
+              <a:rPr lang="de-AT" sz="1200" b="0" i="0" kern="1200" dirty="0" smtClean="0">
+                <a:solidFill>
+                  <a:schemeClr val="tx1"/>
+                </a:solidFill>
+                <a:effectLst/>
+                <a:latin typeface="+mn-lt"/>
+                <a:ea typeface="+mn-ea"/>
+                <a:cs typeface="+mn-cs"/>
+              </a:rPr>
+              <a:t>Würde "K" weiterhin erhöht werden bis zur </a:t>
+            </a:r>
+            <a:r>
+              <a:rPr lang="de-AT" sz="1200" b="0" i="0" kern="1200" dirty="0" err="1" smtClean="0">
+                <a:solidFill>
+                  <a:schemeClr val="tx1"/>
+                </a:solidFill>
+                <a:effectLst/>
+                <a:latin typeface="+mn-lt"/>
+                <a:ea typeface="+mn-ea"/>
+                <a:cs typeface="+mn-cs"/>
+              </a:rPr>
+              <a:t>Gesamtanzhal</a:t>
+            </a:r>
+            <a:r>
+              <a:rPr lang="de-AT" sz="1200" b="0" i="0" kern="1200" dirty="0" smtClean="0">
+                <a:solidFill>
+                  <a:schemeClr val="tx1"/>
+                </a:solidFill>
+                <a:effectLst/>
+                <a:latin typeface="+mn-lt"/>
+                <a:ea typeface="+mn-ea"/>
+                <a:cs typeface="+mn-cs"/>
+              </a:rPr>
+              <a:t> der Beobachtungen würde sich der gesamte Bereich entweder der blauen oder roten Klasse zugeordnet </a:t>
+            </a:r>
+            <a:r>
+              <a:rPr lang="de-AT" sz="1200" b="0" i="0" kern="1200" dirty="0" err="1" smtClean="0">
+                <a:solidFill>
+                  <a:schemeClr val="tx1"/>
+                </a:solidFill>
+                <a:effectLst/>
+                <a:latin typeface="+mn-lt"/>
+                <a:ea typeface="+mn-ea"/>
+                <a:cs typeface="+mn-cs"/>
+              </a:rPr>
+              <a:t>weden</a:t>
+            </a:r>
+            <a:r>
+              <a:rPr lang="de-AT" sz="1200" b="0" i="0" kern="1200" dirty="0" smtClean="0">
+                <a:solidFill>
+                  <a:schemeClr val="tx1"/>
+                </a:solidFill>
+                <a:effectLst/>
+                <a:latin typeface="+mn-lt"/>
+                <a:ea typeface="+mn-ea"/>
+                <a:cs typeface="+mn-cs"/>
+              </a:rPr>
+              <a:t>, je nach Gesamtmehrheit.</a:t>
+            </a:r>
+          </a:p>
+          <a:p>
+            <a:endParaRPr lang="de-AT" dirty="0"/>
+          </a:p>
+        </p:txBody>
+      </p:sp>
+      <p:sp>
+        <p:nvSpPr>
+          <p:cNvPr id="4" name="Foliennummernplatzhalter 3"/>
+          <p:cNvSpPr>
+            <a:spLocks noGrp="1"/>
+          </p:cNvSpPr>
+          <p:nvPr>
+            <p:ph type="sldNum" sz="quarter" idx="10"/>
+          </p:nvPr>
+        </p:nvSpPr>
+        <p:spPr/>
+        <p:txBody>
+          <a:bodyPr/>
+          <a:lstStyle/>
+          <a:p>
+            <a:fld id="{9F819866-7D04-4679-A9CF-4CECA34B22E0}" type="slidenum">
+              <a:rPr lang="de-AT" smtClean="0"/>
+              <a:t>8</a:t>
+            </a:fld>
+            <a:endParaRPr lang="de-AT"/>
+          </a:p>
+        </p:txBody>
+      </p:sp>
+    </p:spTree>
+    <p:extLst>
+      <p:ext uri="{BB962C8B-B14F-4D97-AF65-F5344CB8AC3E}">
+        <p14:creationId xmlns:p14="http://schemas.microsoft.com/office/powerpoint/2010/main" val="884000464"/>
+      </p:ext>
+    </p:extLst>
+  </p:cSld>
+  <p:clrMapOvr>
+    <a:masterClrMapping/>
+  </p:clrMapOvr>
+</p:notes>
+</file>
+
+<file path=ppt/notesSlides/notesSlide6.xml><?xml version="1.0" encoding="utf-8"?>
+<p:notes xmlns:a="http://schemas.openxmlformats.org/drawingml/2006/main" xmlns:r="http://schemas.openxmlformats.org/officeDocument/2006/relationships" xmlns:p="http://schemas.openxmlformats.org/presentationml/2006/main">
+  <p:cSld>
+    <p:spTree>
+      <p:nvGrpSpPr>
+        <p:cNvPr id="1" name=""/>
+        <p:cNvGrpSpPr/>
+        <p:nvPr/>
+      </p:nvGrpSpPr>
+      <p:grpSpPr>
+        <a:xfrm>
+          <a:off x="0" y="0"/>
+          <a:ext cx="0" cy="0"/>
+          <a:chOff x="0" y="0"/>
+          <a:chExt cx="0" cy="0"/>
+        </a:xfrm>
+      </p:grpSpPr>
+      <p:sp>
+        <p:nvSpPr>
+          <p:cNvPr id="2" name="Folienbildplatzhalter 1"/>
+          <p:cNvSpPr>
+            <a:spLocks noGrp="1" noRot="1" noChangeAspect="1"/>
+          </p:cNvSpPr>
+          <p:nvPr>
+            <p:ph type="sldImg"/>
+          </p:nvPr>
+        </p:nvSpPr>
+        <p:spPr/>
+      </p:sp>
+      <p:sp>
+        <p:nvSpPr>
+          <p:cNvPr id="3" name="Notizenplatzhalter 2"/>
+          <p:cNvSpPr>
+            <a:spLocks noGrp="1"/>
+          </p:cNvSpPr>
+          <p:nvPr>
+            <p:ph type="body" idx="1"/>
+          </p:nvPr>
+        </p:nvSpPr>
+        <p:spPr/>
+        <p:txBody>
+          <a:bodyPr/>
+          <a:lstStyle/>
+          <a:p>
+            <a:r>
+              <a:rPr lang="de-AT" sz="1200" b="0" i="0" kern="1200" dirty="0" smtClean="0">
+                <a:solidFill>
+                  <a:schemeClr val="tx1"/>
+                </a:solidFill>
+                <a:effectLst/>
+                <a:latin typeface="+mn-lt"/>
+                <a:ea typeface="+mn-ea"/>
+                <a:cs typeface="+mn-cs"/>
+              </a:rPr>
+              <a:t>Die "</a:t>
+            </a:r>
+            <a:r>
+              <a:rPr lang="de-AT" sz="1200" b="0" i="0" kern="1200" dirty="0" err="1" smtClean="0">
+                <a:solidFill>
+                  <a:schemeClr val="tx1"/>
+                </a:solidFill>
+                <a:effectLst/>
+                <a:latin typeface="+mn-lt"/>
+                <a:ea typeface="+mn-ea"/>
+                <a:cs typeface="+mn-cs"/>
+              </a:rPr>
+              <a:t>training</a:t>
+            </a:r>
+            <a:r>
+              <a:rPr lang="de-AT" sz="1200" b="0" i="0" kern="1200" dirty="0" smtClean="0">
+                <a:solidFill>
+                  <a:schemeClr val="tx1"/>
+                </a:solidFill>
+                <a:effectLst/>
+                <a:latin typeface="+mn-lt"/>
+                <a:ea typeface="+mn-ea"/>
+                <a:cs typeface="+mn-cs"/>
+              </a:rPr>
+              <a:t> </a:t>
+            </a:r>
+            <a:r>
+              <a:rPr lang="de-AT" sz="1200" b="0" i="0" kern="1200" dirty="0" err="1" smtClean="0">
+                <a:solidFill>
+                  <a:schemeClr val="tx1"/>
+                </a:solidFill>
+                <a:effectLst/>
+                <a:latin typeface="+mn-lt"/>
+                <a:ea typeface="+mn-ea"/>
+                <a:cs typeface="+mn-cs"/>
+              </a:rPr>
+              <a:t>error</a:t>
+            </a:r>
+            <a:r>
+              <a:rPr lang="de-AT" sz="1200" b="0" i="0" kern="1200" dirty="0" smtClean="0">
+                <a:solidFill>
+                  <a:schemeClr val="tx1"/>
+                </a:solidFill>
+                <a:effectLst/>
+                <a:latin typeface="+mn-lt"/>
+                <a:ea typeface="+mn-ea"/>
+                <a:cs typeface="+mn-cs"/>
+              </a:rPr>
+              <a:t>" und der "</a:t>
+            </a:r>
+            <a:r>
+              <a:rPr lang="de-AT" sz="1200" b="0" i="0" kern="1200" dirty="0" err="1" smtClean="0">
+                <a:solidFill>
+                  <a:schemeClr val="tx1"/>
+                </a:solidFill>
+                <a:effectLst/>
+                <a:latin typeface="+mn-lt"/>
+                <a:ea typeface="+mn-ea"/>
+                <a:cs typeface="+mn-cs"/>
+              </a:rPr>
+              <a:t>validation</a:t>
+            </a:r>
+            <a:r>
+              <a:rPr lang="de-AT" sz="1200" b="0" i="0" kern="1200" dirty="0" smtClean="0">
+                <a:solidFill>
+                  <a:schemeClr val="tx1"/>
+                </a:solidFill>
+                <a:effectLst/>
+                <a:latin typeface="+mn-lt"/>
+                <a:ea typeface="+mn-ea"/>
+                <a:cs typeface="+mn-cs"/>
+              </a:rPr>
+              <a:t> </a:t>
+            </a:r>
+            <a:r>
+              <a:rPr lang="de-AT" sz="1200" b="0" i="0" kern="1200" dirty="0" err="1" smtClean="0">
+                <a:solidFill>
+                  <a:schemeClr val="tx1"/>
+                </a:solidFill>
+                <a:effectLst/>
+                <a:latin typeface="+mn-lt"/>
+                <a:ea typeface="+mn-ea"/>
+                <a:cs typeface="+mn-cs"/>
+              </a:rPr>
+              <a:t>error</a:t>
+            </a:r>
+            <a:r>
+              <a:rPr lang="de-AT" sz="1200" b="0" i="0" kern="1200" dirty="0" smtClean="0">
+                <a:solidFill>
+                  <a:schemeClr val="tx1"/>
+                </a:solidFill>
+                <a:effectLst/>
+                <a:latin typeface="+mn-lt"/>
+                <a:ea typeface="+mn-ea"/>
+                <a:cs typeface="+mn-cs"/>
+              </a:rPr>
+              <a:t>" sind zwei Parameter die bei unterschiedlichen K-Werten zu beobachten sind. Der "</a:t>
+            </a:r>
+            <a:r>
+              <a:rPr lang="de-AT" sz="1200" b="0" i="0" kern="1200" dirty="0" err="1" smtClean="0">
+                <a:solidFill>
+                  <a:schemeClr val="tx1"/>
+                </a:solidFill>
+                <a:effectLst/>
+                <a:latin typeface="+mn-lt"/>
+                <a:ea typeface="+mn-ea"/>
+                <a:cs typeface="+mn-cs"/>
+              </a:rPr>
+              <a:t>training</a:t>
+            </a:r>
+            <a:r>
+              <a:rPr lang="de-AT" sz="1200" b="0" i="0" kern="1200" dirty="0" smtClean="0">
+                <a:solidFill>
+                  <a:schemeClr val="tx1"/>
+                </a:solidFill>
+                <a:effectLst/>
+                <a:latin typeface="+mn-lt"/>
+                <a:ea typeface="+mn-ea"/>
+                <a:cs typeface="+mn-cs"/>
+              </a:rPr>
+              <a:t> </a:t>
+            </a:r>
+            <a:r>
+              <a:rPr lang="de-AT" sz="1200" b="0" i="0" kern="1200" dirty="0" err="1" smtClean="0">
+                <a:solidFill>
+                  <a:schemeClr val="tx1"/>
+                </a:solidFill>
+                <a:effectLst/>
+                <a:latin typeface="+mn-lt"/>
+                <a:ea typeface="+mn-ea"/>
+                <a:cs typeface="+mn-cs"/>
+              </a:rPr>
+              <a:t>error</a:t>
+            </a:r>
+            <a:r>
+              <a:rPr lang="de-AT" sz="1200" b="0" i="0" kern="1200" dirty="0" smtClean="0">
+                <a:solidFill>
+                  <a:schemeClr val="tx1"/>
+                </a:solidFill>
+                <a:effectLst/>
+                <a:latin typeface="+mn-lt"/>
+                <a:ea typeface="+mn-ea"/>
+                <a:cs typeface="+mn-cs"/>
+              </a:rPr>
+              <a:t>" ist die Abweichung von ermittelter Klasse anhand des trainierten Modells und dem Label der Testdaten. Wichtiges Merkmal hierbei ist, </a:t>
+            </a:r>
+            <a:r>
+              <a:rPr lang="de-AT" sz="1200" b="0" i="0" kern="1200" dirty="0" err="1" smtClean="0">
+                <a:solidFill>
+                  <a:schemeClr val="tx1"/>
+                </a:solidFill>
+                <a:effectLst/>
+                <a:latin typeface="+mn-lt"/>
+                <a:ea typeface="+mn-ea"/>
+                <a:cs typeface="+mn-cs"/>
+              </a:rPr>
+              <a:t>dass</a:t>
+            </a:r>
+            <a:r>
+              <a:rPr lang="de-AT" sz="1200" b="0" i="0" kern="1200" dirty="0" smtClean="0">
+                <a:solidFill>
+                  <a:schemeClr val="tx1"/>
+                </a:solidFill>
+                <a:effectLst/>
+                <a:latin typeface="+mn-lt"/>
+                <a:ea typeface="+mn-ea"/>
+                <a:cs typeface="+mn-cs"/>
+              </a:rPr>
+              <a:t> der Error anhand der selben Daten mit denen auch das Modell trainiert wurde ermittelt wird.</a:t>
+            </a:r>
+          </a:p>
+          <a:p>
+            <a:endParaRPr lang="de-AT" sz="1200" b="0" i="0" kern="1200" dirty="0" smtClean="0">
+              <a:solidFill>
+                <a:schemeClr val="tx1"/>
+              </a:solidFill>
+              <a:effectLst/>
+              <a:latin typeface="+mn-lt"/>
+              <a:ea typeface="+mn-ea"/>
+              <a:cs typeface="+mn-cs"/>
+            </a:endParaRPr>
+          </a:p>
+          <a:p>
+            <a:r>
+              <a:rPr lang="de-AT" sz="1200" b="0" i="0" kern="1200" dirty="0" smtClean="0">
+                <a:solidFill>
+                  <a:schemeClr val="tx1"/>
+                </a:solidFill>
+                <a:effectLst/>
+                <a:latin typeface="+mn-lt"/>
+                <a:ea typeface="+mn-ea"/>
+                <a:cs typeface="+mn-cs"/>
+              </a:rPr>
+              <a:t>Wie in der Grafik ersichtlich ist der "</a:t>
+            </a:r>
+            <a:r>
+              <a:rPr lang="de-AT" sz="1200" b="0" i="0" kern="1200" dirty="0" err="1" smtClean="0">
+                <a:solidFill>
+                  <a:schemeClr val="tx1"/>
+                </a:solidFill>
+                <a:effectLst/>
+                <a:latin typeface="+mn-lt"/>
+                <a:ea typeface="+mn-ea"/>
+                <a:cs typeface="+mn-cs"/>
+              </a:rPr>
+              <a:t>training</a:t>
+            </a:r>
+            <a:r>
+              <a:rPr lang="de-AT" sz="1200" b="0" i="0" kern="1200" dirty="0" smtClean="0">
+                <a:solidFill>
+                  <a:schemeClr val="tx1"/>
+                </a:solidFill>
+                <a:effectLst/>
+                <a:latin typeface="+mn-lt"/>
+                <a:ea typeface="+mn-ea"/>
+                <a:cs typeface="+mn-cs"/>
+              </a:rPr>
+              <a:t> </a:t>
+            </a:r>
+            <a:r>
+              <a:rPr lang="de-AT" sz="1200" b="0" i="0" kern="1200" dirty="0" err="1" smtClean="0">
+                <a:solidFill>
+                  <a:schemeClr val="tx1"/>
+                </a:solidFill>
+                <a:effectLst/>
+                <a:latin typeface="+mn-lt"/>
+                <a:ea typeface="+mn-ea"/>
+                <a:cs typeface="+mn-cs"/>
+              </a:rPr>
+              <a:t>error</a:t>
+            </a:r>
+            <a:r>
+              <a:rPr lang="de-AT" sz="1200" b="0" i="0" kern="1200" dirty="0" smtClean="0">
+                <a:solidFill>
+                  <a:schemeClr val="tx1"/>
+                </a:solidFill>
+                <a:effectLst/>
+                <a:latin typeface="+mn-lt"/>
+                <a:ea typeface="+mn-ea"/>
+                <a:cs typeface="+mn-cs"/>
+              </a:rPr>
+              <a:t>" für K=1 gleich 0. Dies liegt daran, </a:t>
+            </a:r>
+            <a:r>
+              <a:rPr lang="de-AT" sz="1200" b="0" i="0" kern="1200" dirty="0" err="1" smtClean="0">
+                <a:solidFill>
+                  <a:schemeClr val="tx1"/>
+                </a:solidFill>
+                <a:effectLst/>
+                <a:latin typeface="+mn-lt"/>
+                <a:ea typeface="+mn-ea"/>
+                <a:cs typeface="+mn-cs"/>
+              </a:rPr>
+              <a:t>dass</a:t>
+            </a:r>
+            <a:r>
+              <a:rPr lang="de-AT" sz="1200" b="0" i="0" kern="1200" dirty="0" smtClean="0">
+                <a:solidFill>
+                  <a:schemeClr val="tx1"/>
+                </a:solidFill>
+                <a:effectLst/>
+                <a:latin typeface="+mn-lt"/>
+                <a:ea typeface="+mn-ea"/>
+                <a:cs typeface="+mn-cs"/>
+              </a:rPr>
+              <a:t> jeder Punkt sich selbst am nächsten ist in den Trainingsdaten und nur der </a:t>
+            </a:r>
+            <a:r>
+              <a:rPr lang="de-AT" sz="1200" b="0" i="0" kern="1200" dirty="0" err="1" smtClean="0">
+                <a:solidFill>
+                  <a:schemeClr val="tx1"/>
+                </a:solidFill>
+                <a:effectLst/>
+                <a:latin typeface="+mn-lt"/>
+                <a:ea typeface="+mn-ea"/>
+                <a:cs typeface="+mn-cs"/>
+              </a:rPr>
+              <a:t>näherste</a:t>
+            </a:r>
+            <a:r>
+              <a:rPr lang="de-AT" sz="1200" b="0" i="0" kern="1200" dirty="0" smtClean="0">
+                <a:solidFill>
+                  <a:schemeClr val="tx1"/>
+                </a:solidFill>
+                <a:effectLst/>
+                <a:latin typeface="+mn-lt"/>
+                <a:ea typeface="+mn-ea"/>
+                <a:cs typeface="+mn-cs"/>
+              </a:rPr>
+              <a:t> Punkt betrachtet wird. Mit Erhöhung von K steigt auch der "</a:t>
+            </a:r>
+            <a:r>
+              <a:rPr lang="de-AT" sz="1200" b="0" i="0" kern="1200" dirty="0" err="1" smtClean="0">
+                <a:solidFill>
+                  <a:schemeClr val="tx1"/>
+                </a:solidFill>
+                <a:effectLst/>
+                <a:latin typeface="+mn-lt"/>
+                <a:ea typeface="+mn-ea"/>
+                <a:cs typeface="+mn-cs"/>
+              </a:rPr>
+              <a:t>training</a:t>
+            </a:r>
+            <a:r>
+              <a:rPr lang="de-AT" sz="1200" b="0" i="0" kern="1200" dirty="0" smtClean="0">
+                <a:solidFill>
+                  <a:schemeClr val="tx1"/>
+                </a:solidFill>
+                <a:effectLst/>
+                <a:latin typeface="+mn-lt"/>
+                <a:ea typeface="+mn-ea"/>
+                <a:cs typeface="+mn-cs"/>
+              </a:rPr>
+              <a:t> </a:t>
+            </a:r>
+            <a:r>
+              <a:rPr lang="de-AT" sz="1200" b="0" i="0" kern="1200" dirty="0" err="1" smtClean="0">
+                <a:solidFill>
+                  <a:schemeClr val="tx1"/>
+                </a:solidFill>
+                <a:effectLst/>
+                <a:latin typeface="+mn-lt"/>
+                <a:ea typeface="+mn-ea"/>
+                <a:cs typeface="+mn-cs"/>
+              </a:rPr>
+              <a:t>error</a:t>
+            </a:r>
+            <a:r>
+              <a:rPr lang="de-AT" sz="1200" b="0" i="0" kern="1200" dirty="0" smtClean="0">
+                <a:solidFill>
+                  <a:schemeClr val="tx1"/>
+                </a:solidFill>
+                <a:effectLst/>
+                <a:latin typeface="+mn-lt"/>
+                <a:ea typeface="+mn-ea"/>
+                <a:cs typeface="+mn-cs"/>
+              </a:rPr>
+              <a:t>", da immer mehr benachbarte Punkte zur Ermittlung der Klasse berücksichtigt werden. </a:t>
+            </a:r>
+            <a:endParaRPr lang="de-AT" dirty="0"/>
+          </a:p>
+        </p:txBody>
+      </p:sp>
+      <p:sp>
+        <p:nvSpPr>
+          <p:cNvPr id="4" name="Foliennummernplatzhalter 3"/>
+          <p:cNvSpPr>
+            <a:spLocks noGrp="1"/>
+          </p:cNvSpPr>
+          <p:nvPr>
+            <p:ph type="sldNum" sz="quarter" idx="10"/>
+          </p:nvPr>
+        </p:nvSpPr>
+        <p:spPr/>
+        <p:txBody>
+          <a:bodyPr/>
+          <a:lstStyle/>
+          <a:p>
+            <a:fld id="{9F819866-7D04-4679-A9CF-4CECA34B22E0}" type="slidenum">
+              <a:rPr lang="de-AT" smtClean="0"/>
+              <a:t>9</a:t>
+            </a:fld>
+            <a:endParaRPr lang="de-AT"/>
+          </a:p>
+        </p:txBody>
+      </p:sp>
+    </p:spTree>
+    <p:extLst>
+      <p:ext uri="{BB962C8B-B14F-4D97-AF65-F5344CB8AC3E}">
+        <p14:creationId xmlns:p14="http://schemas.microsoft.com/office/powerpoint/2010/main" val="917210212"/>
+      </p:ext>
+    </p:extLst>
+  </p:cSld>
+  <p:clrMapOvr>
+    <a:masterClrMapping/>
+  </p:clrMapOvr>
+</p:notes>
+</file>
+
+<file path=ppt/notesSlides/notesSlide7.xml><?xml version="1.0" encoding="utf-8"?>
+<p:notes xmlns:a="http://schemas.openxmlformats.org/drawingml/2006/main" xmlns:r="http://schemas.openxmlformats.org/officeDocument/2006/relationships" xmlns:p="http://schemas.openxmlformats.org/presentationml/2006/main">
+  <p:cSld>
+    <p:spTree>
+      <p:nvGrpSpPr>
+        <p:cNvPr id="1" name=""/>
+        <p:cNvGrpSpPr/>
+        <p:nvPr/>
+      </p:nvGrpSpPr>
+      <p:grpSpPr>
+        <a:xfrm>
+          <a:off x="0" y="0"/>
+          <a:ext cx="0" cy="0"/>
+          <a:chOff x="0" y="0"/>
+          <a:chExt cx="0" cy="0"/>
+        </a:xfrm>
+      </p:grpSpPr>
+      <p:sp>
+        <p:nvSpPr>
+          <p:cNvPr id="2" name="Folienbildplatzhalter 1"/>
+          <p:cNvSpPr>
+            <a:spLocks noGrp="1" noRot="1" noChangeAspect="1"/>
+          </p:cNvSpPr>
+          <p:nvPr>
+            <p:ph type="sldImg"/>
+          </p:nvPr>
+        </p:nvSpPr>
+        <p:spPr/>
+      </p:sp>
+      <p:sp>
+        <p:nvSpPr>
+          <p:cNvPr id="3" name="Notizenplatzhalter 2"/>
+          <p:cNvSpPr>
+            <a:spLocks noGrp="1"/>
+          </p:cNvSpPr>
+          <p:nvPr>
+            <p:ph type="body" idx="1"/>
+          </p:nvPr>
+        </p:nvSpPr>
+        <p:spPr/>
+        <p:txBody>
+          <a:bodyPr/>
+          <a:lstStyle/>
+          <a:p>
+            <a:r>
+              <a:rPr lang="de-AT" sz="1200" b="0" i="0" kern="1200" dirty="0" smtClean="0">
+                <a:solidFill>
+                  <a:schemeClr val="tx1"/>
+                </a:solidFill>
+                <a:effectLst/>
+                <a:latin typeface="+mn-lt"/>
+                <a:ea typeface="+mn-ea"/>
+                <a:cs typeface="+mn-cs"/>
+              </a:rPr>
+              <a:t>Anhand des "</a:t>
+            </a:r>
+            <a:r>
+              <a:rPr lang="de-AT" sz="1200" b="0" i="0" kern="1200" dirty="0" err="1" smtClean="0">
+                <a:solidFill>
+                  <a:schemeClr val="tx1"/>
+                </a:solidFill>
+                <a:effectLst/>
+                <a:latin typeface="+mn-lt"/>
+                <a:ea typeface="+mn-ea"/>
+                <a:cs typeface="+mn-cs"/>
+              </a:rPr>
+              <a:t>validation</a:t>
+            </a:r>
+            <a:r>
+              <a:rPr lang="de-AT" sz="1200" b="0" i="0" kern="1200" dirty="0" smtClean="0">
+                <a:solidFill>
+                  <a:schemeClr val="tx1"/>
+                </a:solidFill>
+                <a:effectLst/>
+                <a:latin typeface="+mn-lt"/>
+                <a:ea typeface="+mn-ea"/>
+                <a:cs typeface="+mn-cs"/>
+              </a:rPr>
+              <a:t> </a:t>
+            </a:r>
+            <a:r>
+              <a:rPr lang="de-AT" sz="1200" b="0" i="0" kern="1200" dirty="0" err="1" smtClean="0">
+                <a:solidFill>
+                  <a:schemeClr val="tx1"/>
+                </a:solidFill>
+                <a:effectLst/>
+                <a:latin typeface="+mn-lt"/>
+                <a:ea typeface="+mn-ea"/>
+                <a:cs typeface="+mn-cs"/>
+              </a:rPr>
+              <a:t>error</a:t>
+            </a:r>
+            <a:r>
+              <a:rPr lang="de-AT" sz="1200" b="0" i="0" kern="1200" dirty="0" smtClean="0">
+                <a:solidFill>
+                  <a:schemeClr val="tx1"/>
+                </a:solidFill>
+                <a:effectLst/>
+                <a:latin typeface="+mn-lt"/>
+                <a:ea typeface="+mn-ea"/>
+                <a:cs typeface="+mn-cs"/>
+              </a:rPr>
+              <a:t>" ist ersichtlich, </a:t>
+            </a:r>
+            <a:r>
+              <a:rPr lang="de-AT" sz="1200" b="0" i="0" kern="1200" dirty="0" err="1" smtClean="0">
+                <a:solidFill>
+                  <a:schemeClr val="tx1"/>
+                </a:solidFill>
+                <a:effectLst/>
+                <a:latin typeface="+mn-lt"/>
+                <a:ea typeface="+mn-ea"/>
+                <a:cs typeface="+mn-cs"/>
+              </a:rPr>
+              <a:t>dass</a:t>
+            </a:r>
+            <a:r>
+              <a:rPr lang="de-AT" sz="1200" b="0" i="0" kern="1200" dirty="0" smtClean="0">
+                <a:solidFill>
+                  <a:schemeClr val="tx1"/>
+                </a:solidFill>
+                <a:effectLst/>
+                <a:latin typeface="+mn-lt"/>
+                <a:ea typeface="+mn-ea"/>
+                <a:cs typeface="+mn-cs"/>
+              </a:rPr>
+              <a:t> bei K=1 die Klassengrenzen zu genau auf die Trainingsdaten abgestimmt sind und daher bei Anwendung auf unbekannte Daten das Modell unbrauchbar ist</a:t>
+            </a:r>
+            <a:r>
+              <a:rPr lang="de-AT" sz="1200" b="0" i="0" kern="1200" baseline="0" dirty="0" smtClean="0">
+                <a:solidFill>
+                  <a:schemeClr val="tx1"/>
+                </a:solidFill>
+                <a:effectLst/>
+                <a:latin typeface="+mn-lt"/>
+                <a:ea typeface="+mn-ea"/>
+                <a:cs typeface="+mn-cs"/>
+              </a:rPr>
+              <a:t> =&gt; </a:t>
+            </a:r>
+            <a:r>
+              <a:rPr lang="de-AT" sz="1200" b="0" i="0" kern="1200" baseline="0" dirty="0" err="1" smtClean="0">
+                <a:solidFill>
+                  <a:schemeClr val="tx1"/>
+                </a:solidFill>
+                <a:effectLst/>
+                <a:latin typeface="+mn-lt"/>
+                <a:ea typeface="+mn-ea"/>
+                <a:cs typeface="+mn-cs"/>
+              </a:rPr>
+              <a:t>OVERFITTING</a:t>
+            </a:r>
+            <a:endParaRPr lang="de-AT" sz="1200" b="0" i="0" kern="1200" dirty="0" smtClean="0">
+              <a:solidFill>
+                <a:schemeClr val="tx1"/>
+              </a:solidFill>
+              <a:effectLst/>
+              <a:latin typeface="+mn-lt"/>
+              <a:ea typeface="+mn-ea"/>
+              <a:cs typeface="+mn-cs"/>
+            </a:endParaRPr>
+          </a:p>
+          <a:p>
+            <a:endParaRPr lang="de-AT" dirty="0" smtClean="0"/>
+          </a:p>
+          <a:p>
+            <a:r>
+              <a:rPr lang="de-AT" sz="1200" b="0" i="0" kern="1200" dirty="0" err="1" smtClean="0">
+                <a:solidFill>
+                  <a:schemeClr val="tx1"/>
+                </a:solidFill>
+                <a:effectLst/>
+                <a:latin typeface="+mn-lt"/>
+                <a:ea typeface="+mn-ea"/>
+                <a:cs typeface="+mn-cs"/>
+              </a:rPr>
+              <a:t>Umso</a:t>
+            </a:r>
+            <a:r>
+              <a:rPr lang="de-AT" sz="1200" b="0" i="0" kern="1200" dirty="0" smtClean="0">
+                <a:solidFill>
+                  <a:schemeClr val="tx1"/>
+                </a:solidFill>
+                <a:effectLst/>
+                <a:latin typeface="+mn-lt"/>
+                <a:ea typeface="+mn-ea"/>
+                <a:cs typeface="+mn-cs"/>
+              </a:rPr>
+              <a:t> größer K wird </a:t>
+            </a:r>
+            <a:r>
+              <a:rPr lang="de-AT" sz="1200" b="0" i="0" kern="1200" dirty="0" err="1" smtClean="0">
+                <a:solidFill>
+                  <a:schemeClr val="tx1"/>
+                </a:solidFill>
+                <a:effectLst/>
+                <a:latin typeface="+mn-lt"/>
+                <a:ea typeface="+mn-ea"/>
+                <a:cs typeface="+mn-cs"/>
+              </a:rPr>
+              <a:t>umso</a:t>
+            </a:r>
+            <a:r>
+              <a:rPr lang="de-AT" sz="1200" b="0" i="0" kern="1200" dirty="0" smtClean="0">
+                <a:solidFill>
+                  <a:schemeClr val="tx1"/>
+                </a:solidFill>
+                <a:effectLst/>
+                <a:latin typeface="+mn-lt"/>
+                <a:ea typeface="+mn-ea"/>
+                <a:cs typeface="+mn-cs"/>
+              </a:rPr>
+              <a:t> mehr werden die allgemeinen Eigenschaften der Daten mittels dem Modell abstrahiert, welche auch für unbekannte Daten angewandt werden können.</a:t>
+            </a:r>
+          </a:p>
+          <a:p>
+            <a:endParaRPr lang="de-AT" sz="1200" b="0" i="0" kern="1200" dirty="0" smtClean="0">
+              <a:solidFill>
+                <a:schemeClr val="tx1"/>
+              </a:solidFill>
+              <a:effectLst/>
+              <a:latin typeface="+mn-lt"/>
+              <a:ea typeface="+mn-ea"/>
+              <a:cs typeface="+mn-cs"/>
+            </a:endParaRPr>
+          </a:p>
+          <a:p>
+            <a:r>
+              <a:rPr lang="de-AT" sz="1200" b="0" i="0" kern="1200" dirty="0" smtClean="0">
+                <a:solidFill>
+                  <a:schemeClr val="tx1"/>
+                </a:solidFill>
+                <a:effectLst/>
+                <a:latin typeface="+mn-lt"/>
+                <a:ea typeface="+mn-ea"/>
+                <a:cs typeface="+mn-cs"/>
+              </a:rPr>
+              <a:t>Minimum =&gt; Optimum</a:t>
+            </a:r>
+          </a:p>
+          <a:p>
+            <a:endParaRPr lang="de-AT" sz="1200" b="0" i="0" kern="1200" dirty="0" smtClean="0">
+              <a:solidFill>
+                <a:schemeClr val="tx1"/>
+              </a:solidFill>
+              <a:effectLst/>
+              <a:latin typeface="+mn-lt"/>
+              <a:ea typeface="+mn-ea"/>
+              <a:cs typeface="+mn-cs"/>
+            </a:endParaRPr>
+          </a:p>
+          <a:p>
+            <a:r>
+              <a:rPr lang="de-AT" sz="1200" b="0" i="0" kern="1200" dirty="0" smtClean="0">
+                <a:solidFill>
+                  <a:schemeClr val="tx1"/>
+                </a:solidFill>
+                <a:effectLst/>
+                <a:latin typeface="+mn-lt"/>
+                <a:ea typeface="+mn-ea"/>
+                <a:cs typeface="+mn-cs"/>
+              </a:rPr>
+              <a:t>Nach Erreichen eines Minimum steigt die Fehlerrate an, weil das Modell zu ungenau wird und Eigenschaften der Daten nicht mehr erfassen kann</a:t>
+            </a:r>
+            <a:endParaRPr lang="de-AT" dirty="0"/>
+          </a:p>
+        </p:txBody>
+      </p:sp>
+      <p:sp>
+        <p:nvSpPr>
+          <p:cNvPr id="4" name="Foliennummernplatzhalter 3"/>
+          <p:cNvSpPr>
+            <a:spLocks noGrp="1"/>
+          </p:cNvSpPr>
+          <p:nvPr>
+            <p:ph type="sldNum" sz="quarter" idx="10"/>
+          </p:nvPr>
+        </p:nvSpPr>
+        <p:spPr/>
+        <p:txBody>
+          <a:bodyPr/>
+          <a:lstStyle/>
+          <a:p>
+            <a:fld id="{9F819866-7D04-4679-A9CF-4CECA34B22E0}" type="slidenum">
+              <a:rPr lang="de-AT" smtClean="0"/>
+              <a:t>10</a:t>
+            </a:fld>
+            <a:endParaRPr lang="de-AT"/>
+          </a:p>
+        </p:txBody>
+      </p:sp>
+    </p:spTree>
+    <p:extLst>
+      <p:ext uri="{BB962C8B-B14F-4D97-AF65-F5344CB8AC3E}">
+        <p14:creationId xmlns:p14="http://schemas.microsoft.com/office/powerpoint/2010/main" val="1052809346"/>
+      </p:ext>
+    </p:extLst>
+  </p:cSld>
+  <p:clrMapOvr>
+    <a:masterClrMapping/>
+  </p:clrMapOvr>
+</p:notes>
 </file>
 
 <file path=ppt/slideLayouts/slideLayout1.xml><?xml version="1.0" encoding="utf-8"?>
@@ -4001,7 +6388,7 @@
           <p:nvPr/>
         </p:nvPicPr>
         <p:blipFill>
-          <a:blip r:embed="rId2"/>
+          <a:blip r:embed="rId3"/>
           <a:stretch>
             <a:fillRect/>
           </a:stretch>
@@ -4569,6 +6956,67 @@
           <a:chExt cx="0" cy="0"/>
         </a:xfrm>
       </p:grpSpPr>
+      <p:pic>
+        <p:nvPicPr>
+          <p:cNvPr id="4" name="Grafik 3"/>
+          <p:cNvPicPr>
+            <a:picLocks noChangeAspect="1"/>
+          </p:cNvPicPr>
+          <p:nvPr/>
+        </p:nvPicPr>
+        <p:blipFill>
+          <a:blip r:embed="rId2"/>
+          <a:stretch>
+            <a:fillRect/>
+          </a:stretch>
+        </p:blipFill>
+        <p:spPr>
+          <a:xfrm>
+            <a:off x="1981289" y="138023"/>
+            <a:ext cx="7953375" cy="6162675"/>
+          </a:xfrm>
+          <a:prstGeom prst="rect">
+            <a:avLst/>
+          </a:prstGeom>
+        </p:spPr>
+      </p:pic>
+    </p:spTree>
+    <p:extLst>
+      <p:ext uri="{BB962C8B-B14F-4D97-AF65-F5344CB8AC3E}">
+        <p14:creationId xmlns:p14="http://schemas.microsoft.com/office/powerpoint/2010/main" val="285848101"/>
+      </p:ext>
+    </p:extLst>
+  </p:cSld>
+  <p:clrMapOvr>
+    <a:masterClrMapping/>
+  </p:clrMapOvr>
+  <p:timing>
+    <p:tnLst>
+      <p:par>
+        <p:cTn id="1" dur="indefinite" restart="never" nodeType="tmRoot"/>
+      </p:par>
+    </p:tnLst>
+  </p:timing>
+</p:sld>
+</file>
+
+<file path=ppt/slides/slide15.xml><?xml version="1.0" encoding="utf-8"?>
+<p:sld xmlns:a="http://schemas.openxmlformats.org/drawingml/2006/main" xmlns:r="http://schemas.openxmlformats.org/officeDocument/2006/relationships" xmlns:p="http://schemas.openxmlformats.org/presentationml/2006/main">
+  <p:cSld>
+    <p:spTree>
+      <p:nvGrpSpPr>
+        <p:cNvPr id="1" name=""/>
+        <p:cNvGrpSpPr/>
+        <p:nvPr/>
+      </p:nvGrpSpPr>
+      <p:grpSpPr>
+        <a:xfrm>
+          <a:off x="0" y="0"/>
+          <a:ext cx="0" cy="0"/>
+          <a:chOff x="0" y="0"/>
+          <a:chExt cx="0" cy="0"/>
+        </a:xfrm>
+      </p:grpSpPr>
       <p:sp>
         <p:nvSpPr>
           <p:cNvPr id="2" name="Titel 1"/>
@@ -4645,7 +7093,7 @@
 </p:sld>
 </file>
 
-<file path=ppt/slides/slide15.xml><?xml version="1.0" encoding="utf-8"?>
+<file path=ppt/slides/slide16.xml><?xml version="1.0" encoding="utf-8"?>
 <p:sld xmlns:a="http://schemas.openxmlformats.org/drawingml/2006/main" xmlns:r="http://schemas.openxmlformats.org/officeDocument/2006/relationships" xmlns:p="http://schemas.openxmlformats.org/presentationml/2006/main">
   <p:cSld>
     <p:spTree>
@@ -4798,7 +7246,7 @@
 </p:sld>
 </file>
 
-<file path=ppt/slides/slide16.xml><?xml version="1.0" encoding="utf-8"?>
+<file path=ppt/slides/slide17.xml><?xml version="1.0" encoding="utf-8"?>
 <p:sld xmlns:a="http://schemas.openxmlformats.org/drawingml/2006/main" xmlns:r="http://schemas.openxmlformats.org/officeDocument/2006/relationships" xmlns:p="http://schemas.openxmlformats.org/presentationml/2006/main">
   <p:cSld>
     <p:spTree>
@@ -4917,7 +7365,7 @@
 </p:sld>
 </file>
 
-<file path=ppt/slides/slide17.xml><?xml version="1.0" encoding="utf-8"?>
+<file path=ppt/slides/slide18.xml><?xml version="1.0" encoding="utf-8"?>
 <p:sld xmlns:a="http://schemas.openxmlformats.org/drawingml/2006/main" xmlns:r="http://schemas.openxmlformats.org/officeDocument/2006/relationships" xmlns:p="http://schemas.openxmlformats.org/presentationml/2006/main">
   <p:cSld>
     <p:spTree>
@@ -4978,60 +7426,6 @@
 </p:sld>
 </file>
 
-<file path=ppt/slides/slide18.xml><?xml version="1.0" encoding="utf-8"?>
-<p:sld xmlns:a="http://schemas.openxmlformats.org/drawingml/2006/main" xmlns:r="http://schemas.openxmlformats.org/officeDocument/2006/relationships" xmlns:p="http://schemas.openxmlformats.org/presentationml/2006/main">
-  <p:cSld>
-    <p:spTree>
-      <p:nvGrpSpPr>
-        <p:cNvPr id="1" name=""/>
-        <p:cNvGrpSpPr/>
-        <p:nvPr/>
-      </p:nvGrpSpPr>
-      <p:grpSpPr>
-        <a:xfrm>
-          <a:off x="0" y="0"/>
-          <a:ext cx="0" cy="0"/>
-          <a:chOff x="0" y="0"/>
-          <a:chExt cx="0" cy="0"/>
-        </a:xfrm>
-      </p:grpSpPr>
-      <p:pic>
-        <p:nvPicPr>
-          <p:cNvPr id="4" name="Grafik 3"/>
-          <p:cNvPicPr>
-            <a:picLocks noChangeAspect="1"/>
-          </p:cNvPicPr>
-          <p:nvPr/>
-        </p:nvPicPr>
-        <p:blipFill>
-          <a:blip r:embed="rId2"/>
-          <a:stretch>
-            <a:fillRect/>
-          </a:stretch>
-        </p:blipFill>
-        <p:spPr>
-          <a:xfrm>
-            <a:off x="1981289" y="138023"/>
-            <a:ext cx="7953375" cy="6162675"/>
-          </a:xfrm>
-          <a:prstGeom prst="rect">
-            <a:avLst/>
-          </a:prstGeom>
-        </p:spPr>
-      </p:pic>
-    </p:spTree>
-    <p:extLst>
-      <p:ext uri="{BB962C8B-B14F-4D97-AF65-F5344CB8AC3E}">
-        <p14:creationId xmlns:p14="http://schemas.microsoft.com/office/powerpoint/2010/main" val="285848101"/>
-      </p:ext>
-    </p:extLst>
-  </p:cSld>
-  <p:clrMapOvr>
-    <a:masterClrMapping/>
-  </p:clrMapOvr>
-</p:sld>
-</file>
-
 <file path=ppt/slides/slide2.xml><?xml version="1.0" encoding="utf-8"?>
 <p:sld xmlns:a="http://schemas.openxmlformats.org/drawingml/2006/main" xmlns:r="http://schemas.openxmlformats.org/officeDocument/2006/relationships" xmlns:p="http://schemas.openxmlformats.org/presentationml/2006/main">
   <p:cSld>
@@ -5093,8 +7487,9 @@
             </a:pPr>
             <a:r>
               <a:rPr lang="de-AT" dirty="0" smtClean="0"/>
-              <a:t>Allgemeines</a:t>
-            </a:r>
+              <a:t>Allgemeines und Begrifflichkeiten</a:t>
+            </a:r>
+            <a:endParaRPr lang="de-AT" dirty="0" smtClean="0"/>
           </a:p>
           <a:p>
             <a:pPr>
@@ -5121,13 +7516,8 @@
             </a:r>
             <a:r>
               <a:rPr lang="de-AT" dirty="0" smtClean="0"/>
-              <a:t> in der </a:t>
-            </a:r>
-            <a:r>
-              <a:rPr lang="de-AT" dirty="0" smtClean="0"/>
-              <a:t>Praxis</a:t>
-            </a:r>
-            <a:endParaRPr lang="de-AT" dirty="0" smtClean="0"/>
+              <a:t> in der Praxis</a:t>
+            </a:r>
           </a:p>
         </p:txBody>
       </p:sp>
@@ -5184,8 +7574,16 @@
           <a:lstStyle/>
           <a:p>
             <a:r>
+              <a:rPr lang="de-AT" dirty="0" err="1" smtClean="0"/>
+              <a:t>KNN</a:t>
+            </a:r>
+            <a:r>
+              <a:rPr lang="de-AT" dirty="0" smtClean="0"/>
+              <a:t> - Supervised </a:t>
+            </a:r>
+            <a:r>
               <a:rPr lang="de-AT" dirty="0"/>
-              <a:t>Supervised Machine Learning</a:t>
+              <a:t>Machine Learning</a:t>
             </a:r>
           </a:p>
         </p:txBody>
@@ -5437,7 +7835,7 @@
           <p:nvPr/>
         </p:nvPicPr>
         <p:blipFill>
-          <a:blip r:embed="rId2"/>
+          <a:blip r:embed="rId3"/>
           <a:stretch>
             <a:fillRect/>
           </a:stretch>
@@ -5597,7 +7995,7 @@
           <p:nvPr/>
         </p:nvPicPr>
         <p:blipFill>
-          <a:blip r:embed="rId2"/>
+          <a:blip r:embed="rId3"/>
           <a:stretch>
             <a:fillRect/>
           </a:stretch>
@@ -5827,7 +8225,7 @@
           </p:nvPr>
         </p:nvPicPr>
         <p:blipFill>
-          <a:blip r:embed="rId2"/>
+          <a:blip r:embed="rId3"/>
           <a:stretch>
             <a:fillRect/>
           </a:stretch>
@@ -5921,7 +8319,7 @@
           </p:nvPr>
         </p:nvPicPr>
         <p:blipFill>
-          <a:blip r:embed="rId2"/>
+          <a:blip r:embed="rId3"/>
           <a:stretch>
             <a:fillRect/>
           </a:stretch>
@@ -6068,7 +8466,7 @@
           <p:nvPr/>
         </p:nvPicPr>
         <p:blipFill>
-          <a:blip r:embed="rId2"/>
+          <a:blip r:embed="rId3"/>
           <a:stretch>
             <a:fillRect/>
           </a:stretch>
@@ -6384,4 +8782,265 @@
     </a:ext>
   </a:extLst>
 </a:theme>
+</file>
+
+<file path=ppt/theme/theme2.xml><?xml version="1.0" encoding="utf-8"?>
+<a:theme xmlns:a="http://schemas.openxmlformats.org/drawingml/2006/main" name="Office Theme">
+  <a:themeElements>
+    <a:clrScheme name="Office">
+      <a:dk1>
+        <a:sysClr val="windowText" lastClr="000000"/>
+      </a:dk1>
+      <a:lt1>
+        <a:sysClr val="window" lastClr="FFFFFF"/>
+      </a:lt1>
+      <a:dk2>
+        <a:srgbClr val="44546A"/>
+      </a:dk2>
+      <a:lt2>
+        <a:srgbClr val="E7E6E6"/>
+      </a:lt2>
+      <a:accent1>
+        <a:srgbClr val="5B9BD5"/>
+      </a:accent1>
+      <a:accent2>
+        <a:srgbClr val="ED7D31"/>
+      </a:accent2>
+      <a:accent3>
+        <a:srgbClr val="A5A5A5"/>
+      </a:accent3>
+      <a:accent4>
+        <a:srgbClr val="FFC000"/>
+      </a:accent4>
+      <a:accent5>
+        <a:srgbClr val="4472C4"/>
+      </a:accent5>
+      <a:accent6>
+        <a:srgbClr val="70AD47"/>
+      </a:accent6>
+      <a:hlink>
+        <a:srgbClr val="0563C1"/>
+      </a:hlink>
+      <a:folHlink>
+        <a:srgbClr val="954F72"/>
+      </a:folHlink>
+    </a:clrScheme>
+    <a:fontScheme name="Office">
+      <a:majorFont>
+        <a:latin typeface="Calibri Light" panose="020F0302020204030204"/>
+        <a:ea typeface=""/>
+        <a:cs typeface=""/>
+        <a:font script="Jpan" typeface="ＭＳ Ｐゴシック"/>
+        <a:font script="Hang" typeface="맑은 고딕"/>
+        <a:font script="Hans" typeface="宋体"/>
+        <a:font script="Hant" typeface="新細明體"/>
+        <a:font script="Arab" typeface="Times New Roman"/>
+        <a:font script="Hebr" typeface="Times New Roman"/>
+        <a:font script="Thai" typeface="Angsana New"/>
+        <a:font script="Ethi" typeface="Nyala"/>
+        <a:font script="Beng" typeface="Vrinda"/>
+        <a:font script="Gujr" typeface="Shruti"/>
+        <a:font script="Khmr" typeface="MoolBoran"/>
+        <a:font script="Knda" typeface="Tunga"/>
+        <a:font script="Guru" typeface="Raavi"/>
+        <a:font script="Cans" typeface="Euphemia"/>
+        <a:font script="Cher" typeface="Plantagenet Cherokee"/>
+        <a:font script="Yiii" typeface="Microsoft Yi Baiti"/>
+        <a:font script="Tibt" typeface="Microsoft Himalaya"/>
+        <a:font script="Thaa" typeface="MV Boli"/>
+        <a:font script="Deva" typeface="Mangal"/>
+        <a:font script="Telu" typeface="Gautami"/>
+        <a:font script="Taml" typeface="Latha"/>
+        <a:font script="Syrc" typeface="Estrangelo Edessa"/>
+        <a:font script="Orya" typeface="Kalinga"/>
+        <a:font script="Mlym" typeface="Kartika"/>
+        <a:font script="Laoo" typeface="DokChampa"/>
+        <a:font script="Sinh" typeface="Iskoola Pota"/>
+        <a:font script="Mong" typeface="Mongolian Baiti"/>
+        <a:font script="Viet" typeface="Times New Roman"/>
+        <a:font script="Uigh" typeface="Microsoft Uighur"/>
+        <a:font script="Geor" typeface="Sylfaen"/>
+      </a:majorFont>
+      <a:minorFont>
+        <a:latin typeface="Calibri" panose="020F0502020204030204"/>
+        <a:ea typeface=""/>
+        <a:cs typeface=""/>
+        <a:font script="Jpan" typeface="ＭＳ Ｐゴシック"/>
+        <a:font script="Hang" typeface="맑은 고딕"/>
+        <a:font script="Hans" typeface="宋体"/>
+        <a:font script="Hant" typeface="新細明體"/>
+        <a:font script="Arab" typeface="Arial"/>
+        <a:font script="Hebr" typeface="Arial"/>
+        <a:font script="Thai" typeface="Cordia New"/>
+        <a:font script="Ethi" typeface="Nyala"/>
+        <a:font script="Beng" typeface="Vrinda"/>
+        <a:font script="Gujr" typeface="Shruti"/>
+        <a:font script="Khmr" typeface="DaunPenh"/>
+        <a:font script="Knda" typeface="Tunga"/>
+        <a:font script="Guru" typeface="Raavi"/>
+        <a:font script="Cans" typeface="Euphemia"/>
+        <a:font script="Cher" typeface="Plantagenet Cherokee"/>
+        <a:font script="Yiii" typeface="Microsoft Yi Baiti"/>
+        <a:font script="Tibt" typeface="Microsoft Himalaya"/>
+        <a:font script="Thaa" typeface="MV Boli"/>
+        <a:font script="Deva" typeface="Mangal"/>
+        <a:font script="Telu" typeface="Gautami"/>
+        <a:font script="Taml" typeface="Latha"/>
+        <a:font script="Syrc" typeface="Estrangelo Edessa"/>
+        <a:font script="Orya" typeface="Kalinga"/>
+        <a:font script="Mlym" typeface="Kartika"/>
+        <a:font script="Laoo" typeface="DokChampa"/>
+        <a:font script="Sinh" typeface="Iskoola Pota"/>
+        <a:font script="Mong" typeface="Mongolian Baiti"/>
+        <a:font script="Viet" typeface="Arial"/>
+        <a:font script="Uigh" typeface="Microsoft Uighur"/>
+        <a:font script="Geor" typeface="Sylfaen"/>
+      </a:minorFont>
+    </a:fontScheme>
+    <a:fmtScheme name="Office">
+      <a:fillStyleLst>
+        <a:solidFill>
+          <a:schemeClr val="phClr"/>
+        </a:solidFill>
+        <a:gradFill rotWithShape="1">
+          <a:gsLst>
+            <a:gs pos="0">
+              <a:schemeClr val="phClr">
+                <a:lumMod val="110000"/>
+                <a:satMod val="105000"/>
+                <a:tint val="67000"/>
+              </a:schemeClr>
+            </a:gs>
+            <a:gs pos="50000">
+              <a:schemeClr val="phClr">
+                <a:lumMod val="105000"/>
+                <a:satMod val="103000"/>
+                <a:tint val="73000"/>
+              </a:schemeClr>
+            </a:gs>
+            <a:gs pos="100000">
+              <a:schemeClr val="phClr">
+                <a:lumMod val="105000"/>
+                <a:satMod val="109000"/>
+                <a:tint val="81000"/>
+              </a:schemeClr>
+            </a:gs>
+          </a:gsLst>
+          <a:lin ang="5400000" scaled="0"/>
+        </a:gradFill>
+        <a:gradFill rotWithShape="1">
+          <a:gsLst>
+            <a:gs pos="0">
+              <a:schemeClr val="phClr">
+                <a:satMod val="103000"/>
+                <a:lumMod val="102000"/>
+                <a:tint val="94000"/>
+              </a:schemeClr>
+            </a:gs>
+            <a:gs pos="50000">
+              <a:schemeClr val="phClr">
+                <a:satMod val="110000"/>
+                <a:lumMod val="100000"/>
+                <a:shade val="100000"/>
+              </a:schemeClr>
+            </a:gs>
+            <a:gs pos="100000">
+              <a:schemeClr val="phClr">
+                <a:lumMod val="99000"/>
+                <a:satMod val="120000"/>
+                <a:shade val="78000"/>
+              </a:schemeClr>
+            </a:gs>
+          </a:gsLst>
+          <a:lin ang="5400000" scaled="0"/>
+        </a:gradFill>
+      </a:fillStyleLst>
+      <a:lnStyleLst>
+        <a:ln w="6350" cap="flat" cmpd="sng" algn="ctr">
+          <a:solidFill>
+            <a:schemeClr val="phClr"/>
+          </a:solidFill>
+          <a:prstDash val="solid"/>
+          <a:miter lim="800000"/>
+        </a:ln>
+        <a:ln w="12700" cap="flat" cmpd="sng" algn="ctr">
+          <a:solidFill>
+            <a:schemeClr val="phClr"/>
+          </a:solidFill>
+          <a:prstDash val="solid"/>
+          <a:miter lim="800000"/>
+        </a:ln>
+        <a:ln w="19050" cap="flat" cmpd="sng" algn="ctr">
+          <a:solidFill>
+            <a:schemeClr val="phClr"/>
+          </a:solidFill>
+          <a:prstDash val="solid"/>
+          <a:miter lim="800000"/>
+        </a:ln>
+      </a:lnStyleLst>
+      <a:effectStyleLst>
+        <a:effectStyle>
+          <a:effectLst/>
+        </a:effectStyle>
+        <a:effectStyle>
+          <a:effectLst/>
+        </a:effectStyle>
+        <a:effectStyle>
+          <a:effectLst>
+            <a:outerShdw blurRad="57150" dist="19050" dir="5400000" algn="ctr" rotWithShape="0">
+              <a:srgbClr val="000000">
+                <a:alpha val="63000"/>
+              </a:srgbClr>
+            </a:outerShdw>
+          </a:effectLst>
+        </a:effectStyle>
+      </a:effectStyleLst>
+      <a:bgFillStyleLst>
+        <a:solidFill>
+          <a:schemeClr val="phClr"/>
+        </a:solidFill>
+        <a:solidFill>
+          <a:schemeClr val="phClr">
+            <a:tint val="95000"/>
+            <a:satMod val="170000"/>
+          </a:schemeClr>
+        </a:solidFill>
+        <a:gradFill rotWithShape="1">
+          <a:gsLst>
+            <a:gs pos="0">
+              <a:schemeClr val="phClr">
+                <a:tint val="93000"/>
+                <a:satMod val="150000"/>
+                <a:shade val="98000"/>
+                <a:lumMod val="102000"/>
+              </a:schemeClr>
+            </a:gs>
+            <a:gs pos="50000">
+              <a:schemeClr val="phClr">
+                <a:tint val="98000"/>
+                <a:satMod val="130000"/>
+                <a:shade val="90000"/>
+                <a:lumMod val="103000"/>
+              </a:schemeClr>
+            </a:gs>
+            <a:gs pos="100000">
+              <a:schemeClr val="phClr">
+                <a:shade val="63000"/>
+                <a:satMod val="120000"/>
+              </a:schemeClr>
+            </a:gs>
+          </a:gsLst>
+          <a:lin ang="5400000" scaled="0"/>
+        </a:gradFill>
+      </a:bgFillStyleLst>
+    </a:fmtScheme>
+  </a:themeElements>
+  <a:objectDefaults/>
+  <a:extraClrSchemeLst/>
+  <a:extLst>
+    <a:ext uri="{05A4C25C-085E-4340-85A3-A5531E510DB2}">
+      <thm15:themeFamily xmlns:thm15="http://schemas.microsoft.com/office/thememl/2012/main" name="Office Theme" id="{62F939B6-93AF-4DB8-9C6B-D6C7DFDC589F}" vid="{4A3C46E8-61CC-4603-A589-7422A47A8E4A}"/>
+    </a:ext>
+  </a:extLst>
+</a:theme>
 </file>
--- a/KNN/KNN –.pptx
+++ b/KNN/KNN –.pptx
@@ -20,8 +20,8 @@
     <p:sldId id="266" r:id="rId11"/>
     <p:sldId id="267" r:id="rId12"/>
     <p:sldId id="268" r:id="rId13"/>
-    <p:sldId id="269" r:id="rId14"/>
-    <p:sldId id="274" r:id="rId15"/>
+    <p:sldId id="274" r:id="rId14"/>
+    <p:sldId id="269" r:id="rId15"/>
     <p:sldId id="270" r:id="rId16"/>
     <p:sldId id="271" r:id="rId17"/>
     <p:sldId id="272" r:id="rId18"/>
@@ -6861,47 +6861,13 @@
           <a:chExt cx="0" cy="0"/>
         </a:xfrm>
       </p:grpSpPr>
-      <p:sp>
-        <p:nvSpPr>
-          <p:cNvPr id="2" name="Titel 1"/>
-          <p:cNvSpPr>
-            <a:spLocks noGrp="1"/>
-          </p:cNvSpPr>
-          <p:nvPr>
-            <p:ph type="title"/>
-          </p:nvPr>
-        </p:nvSpPr>
-        <p:spPr>
-          <a:xfrm>
-            <a:off x="1097280" y="286603"/>
-            <a:ext cx="10058400" cy="799247"/>
-          </a:xfrm>
-        </p:spPr>
-        <p:txBody>
-          <a:bodyPr/>
-          <a:lstStyle/>
-          <a:p>
-            <a:r>
-              <a:rPr lang="de-AT" dirty="0" err="1" smtClean="0"/>
-              <a:t>KNN</a:t>
-            </a:r>
-            <a:r>
-              <a:rPr lang="de-AT" dirty="0" smtClean="0"/>
-              <a:t> in der Praxis - Regression</a:t>
-            </a:r>
-            <a:endParaRPr lang="de-AT" dirty="0"/>
-          </a:p>
-        </p:txBody>
-      </p:sp>
       <p:pic>
         <p:nvPicPr>
-          <p:cNvPr id="4" name="Inhaltsplatzhalter 3"/>
+          <p:cNvPr id="4" name="Grafik 3"/>
           <p:cNvPicPr>
-            <a:picLocks noGrp="1" noChangeAspect="1"/>
+            <a:picLocks noChangeAspect="1"/>
           </p:cNvPicPr>
-          <p:nvPr>
-            <p:ph idx="1"/>
-          </p:nvPr>
+          <p:nvPr/>
         </p:nvPicPr>
         <p:blipFill>
           <a:blip r:embed="rId2"/>
@@ -6911,8 +6877,8 @@
         </p:blipFill>
         <p:spPr>
           <a:xfrm>
-            <a:off x="1238250" y="1159639"/>
-            <a:ext cx="8208257" cy="4972310"/>
+            <a:off x="1981289" y="138023"/>
+            <a:ext cx="7953375" cy="6162675"/>
           </a:xfrm>
           <a:prstGeom prst="rect">
             <a:avLst/>
@@ -6922,7 +6888,7 @@
     </p:spTree>
     <p:extLst>
       <p:ext uri="{BB962C8B-B14F-4D97-AF65-F5344CB8AC3E}">
-        <p14:creationId xmlns:p14="http://schemas.microsoft.com/office/powerpoint/2010/main" val="2344408556"/>
+        <p14:creationId xmlns:p14="http://schemas.microsoft.com/office/powerpoint/2010/main" val="285848101"/>
       </p:ext>
     </p:extLst>
   </p:cSld>
@@ -6956,13 +6922,47 @@
           <a:chExt cx="0" cy="0"/>
         </a:xfrm>
       </p:grpSpPr>
+      <p:sp>
+        <p:nvSpPr>
+          <p:cNvPr id="2" name="Titel 1"/>
+          <p:cNvSpPr>
+            <a:spLocks noGrp="1"/>
+          </p:cNvSpPr>
+          <p:nvPr>
+            <p:ph type="title"/>
+          </p:nvPr>
+        </p:nvSpPr>
+        <p:spPr>
+          <a:xfrm>
+            <a:off x="1097280" y="286603"/>
+            <a:ext cx="10058400" cy="799247"/>
+          </a:xfrm>
+        </p:spPr>
+        <p:txBody>
+          <a:bodyPr/>
+          <a:lstStyle/>
+          <a:p>
+            <a:r>
+              <a:rPr lang="de-AT" dirty="0" err="1" smtClean="0"/>
+              <a:t>KNN</a:t>
+            </a:r>
+            <a:r>
+              <a:rPr lang="de-AT" dirty="0" smtClean="0"/>
+              <a:t> in der Praxis - Regression</a:t>
+            </a:r>
+            <a:endParaRPr lang="de-AT" dirty="0"/>
+          </a:p>
+        </p:txBody>
+      </p:sp>
       <p:pic>
         <p:nvPicPr>
-          <p:cNvPr id="4" name="Grafik 3"/>
+          <p:cNvPr id="4" name="Inhaltsplatzhalter 3"/>
           <p:cNvPicPr>
-            <a:picLocks noChangeAspect="1"/>
+            <a:picLocks noGrp="1" noChangeAspect="1"/>
           </p:cNvPicPr>
-          <p:nvPr/>
+          <p:nvPr>
+            <p:ph idx="1"/>
+          </p:nvPr>
         </p:nvPicPr>
         <p:blipFill>
           <a:blip r:embed="rId2"/>
@@ -6972,8 +6972,8 @@
         </p:blipFill>
         <p:spPr>
           <a:xfrm>
-            <a:off x="1981289" y="138023"/>
-            <a:ext cx="7953375" cy="6162675"/>
+            <a:off x="1238250" y="1159639"/>
+            <a:ext cx="8208257" cy="4972310"/>
           </a:xfrm>
           <a:prstGeom prst="rect">
             <a:avLst/>
@@ -6983,7 +6983,7 @@
     </p:spTree>
     <p:extLst>
       <p:ext uri="{BB962C8B-B14F-4D97-AF65-F5344CB8AC3E}">
-        <p14:creationId xmlns:p14="http://schemas.microsoft.com/office/powerpoint/2010/main" val="285848101"/>
+        <p14:creationId xmlns:p14="http://schemas.microsoft.com/office/powerpoint/2010/main" val="2344408556"/>
       </p:ext>
     </p:extLst>
   </p:cSld>
@@ -7489,7 +7489,6 @@
               <a:rPr lang="de-AT" dirty="0" smtClean="0"/>
               <a:t>Allgemeines und Begrifflichkeiten</a:t>
             </a:r>
-            <a:endParaRPr lang="de-AT" dirty="0" smtClean="0"/>
           </a:p>
           <a:p>
             <a:pPr>
